--- a/public/assets/img/avances/descriptivo.pptx
+++ b/public/assets/img/avances/descriptivo.pptx
@@ -4,17 +4,13 @@
   <p:sldMasterIdLst>
     <p:sldMasterId id="2147483648" r:id="rId1"/>
   </p:sldMasterIdLst>
-  <p:notesMasterIdLst>
-    <p:notesMasterId r:id="rId9"/>
-  </p:notesMasterIdLst>
   <p:sldIdLst>
-    <p:sldId id="259" r:id="rId2"/>
-    <p:sldId id="260" r:id="rId3"/>
-    <p:sldId id="261" r:id="rId4"/>
-    <p:sldId id="263" r:id="rId5"/>
-    <p:sldId id="264" r:id="rId6"/>
-    <p:sldId id="262" r:id="rId7"/>
-    <p:sldId id="256" r:id="rId8"/>
+    <p:sldId id="256" r:id="rId2"/>
+    <p:sldId id="257" r:id="rId3"/>
+    <p:sldId id="258" r:id="rId4"/>
+    <p:sldId id="259" r:id="rId5"/>
+    <p:sldId id="260" r:id="rId6"/>
+    <p:sldId id="261" r:id="rId7"/>
   </p:sldIdLst>
   <p:sldSz cx="12192000" cy="6858000"/>
   <p:notesSz cx="6858000" cy="9144000"/>
@@ -121,860 +117,6 @@
 </p:presentation>
 </file>
 
-<file path=ppt/notesMasters/notesMaster1.xml><?xml version="1.0" encoding="utf-8"?>
-<p:notesMaster xmlns:a="http://schemas.openxmlformats.org/drawingml/2006/main" xmlns:r="http://schemas.openxmlformats.org/officeDocument/2006/relationships" xmlns:p="http://schemas.openxmlformats.org/presentationml/2006/main">
-  <p:cSld>
-    <p:bg>
-      <p:bgRef idx="1001">
-        <a:schemeClr val="bg1"/>
-      </p:bgRef>
-    </p:bg>
-    <p:spTree>
-      <p:nvGrpSpPr>
-        <p:cNvPr id="1" name=""/>
-        <p:cNvGrpSpPr/>
-        <p:nvPr/>
-      </p:nvGrpSpPr>
-      <p:grpSpPr>
-        <a:xfrm>
-          <a:off x="0" y="0"/>
-          <a:ext cx="0" cy="0"/>
-          <a:chOff x="0" y="0"/>
-          <a:chExt cx="0" cy="0"/>
-        </a:xfrm>
-      </p:grpSpPr>
-      <p:sp>
-        <p:nvSpPr>
-          <p:cNvPr id="2" name="Marcador de encabezado 1"/>
-          <p:cNvSpPr>
-            <a:spLocks noGrp="1"/>
-          </p:cNvSpPr>
-          <p:nvPr>
-            <p:ph type="hdr" sz="quarter"/>
-          </p:nvPr>
-        </p:nvSpPr>
-        <p:spPr>
-          <a:xfrm>
-            <a:off x="0" y="0"/>
-            <a:ext cx="2971800" cy="458788"/>
-          </a:xfrm>
-          <a:prstGeom prst="rect">
-            <a:avLst/>
-          </a:prstGeom>
-        </p:spPr>
-        <p:txBody>
-          <a:bodyPr vert="horz" lIns="91440" tIns="45720" rIns="91440" bIns="45720" rtlCol="0"/>
-          <a:lstStyle>
-            <a:lvl1pPr algn="l">
-              <a:defRPr sz="1200"/>
-            </a:lvl1pPr>
-          </a:lstStyle>
-          <a:p>
-            <a:endParaRPr lang="es-CR"/>
-          </a:p>
-        </p:txBody>
-      </p:sp>
-      <p:sp>
-        <p:nvSpPr>
-          <p:cNvPr id="3" name="Marcador de fecha 2"/>
-          <p:cNvSpPr>
-            <a:spLocks noGrp="1"/>
-          </p:cNvSpPr>
-          <p:nvPr>
-            <p:ph type="dt" idx="1"/>
-          </p:nvPr>
-        </p:nvSpPr>
-        <p:spPr>
-          <a:xfrm>
-            <a:off x="3884613" y="0"/>
-            <a:ext cx="2971800" cy="458788"/>
-          </a:xfrm>
-          <a:prstGeom prst="rect">
-            <a:avLst/>
-          </a:prstGeom>
-        </p:spPr>
-        <p:txBody>
-          <a:bodyPr vert="horz" lIns="91440" tIns="45720" rIns="91440" bIns="45720" rtlCol="0"/>
-          <a:lstStyle>
-            <a:lvl1pPr algn="r">
-              <a:defRPr sz="1200"/>
-            </a:lvl1pPr>
-          </a:lstStyle>
-          <a:p>
-            <a:fld id="{30BCF29D-964E-4AF3-8FDD-9F64096CA3C1}" type="datetimeFigureOut">
-              <a:rPr lang="es-CR" smtClean="0"/>
-              <a:t>15/10/2020</a:t>
-            </a:fld>
-            <a:endParaRPr lang="es-CR"/>
-          </a:p>
-        </p:txBody>
-      </p:sp>
-      <p:sp>
-        <p:nvSpPr>
-          <p:cNvPr id="4" name="Marcador de imagen de diapositiva 3"/>
-          <p:cNvSpPr>
-            <a:spLocks noGrp="1" noRot="1" noChangeAspect="1"/>
-          </p:cNvSpPr>
-          <p:nvPr>
-            <p:ph type="sldImg" idx="2"/>
-          </p:nvPr>
-        </p:nvSpPr>
-        <p:spPr>
-          <a:xfrm>
-            <a:off x="685800" y="1143000"/>
-            <a:ext cx="5486400" cy="3086100"/>
-          </a:xfrm>
-          <a:prstGeom prst="rect">
-            <a:avLst/>
-          </a:prstGeom>
-          <a:noFill/>
-          <a:ln w="12700">
-            <a:solidFill>
-              <a:prstClr val="black"/>
-            </a:solidFill>
-          </a:ln>
-        </p:spPr>
-        <p:txBody>
-          <a:bodyPr vert="horz" lIns="91440" tIns="45720" rIns="91440" bIns="45720" rtlCol="0" anchor="ctr"/>
-          <a:lstStyle/>
-          <a:p>
-            <a:endParaRPr lang="es-CR"/>
-          </a:p>
-        </p:txBody>
-      </p:sp>
-      <p:sp>
-        <p:nvSpPr>
-          <p:cNvPr id="5" name="Marcador de notas 4"/>
-          <p:cNvSpPr>
-            <a:spLocks noGrp="1"/>
-          </p:cNvSpPr>
-          <p:nvPr>
-            <p:ph type="body" sz="quarter" idx="3"/>
-          </p:nvPr>
-        </p:nvSpPr>
-        <p:spPr>
-          <a:xfrm>
-            <a:off x="685800" y="4400550"/>
-            <a:ext cx="5486400" cy="3600450"/>
-          </a:xfrm>
-          <a:prstGeom prst="rect">
-            <a:avLst/>
-          </a:prstGeom>
-        </p:spPr>
-        <p:txBody>
-          <a:bodyPr vert="horz" lIns="91440" tIns="45720" rIns="91440" bIns="45720" rtlCol="0"/>
-          <a:lstStyle/>
-          <a:p>
-            <a:pPr lvl="0"/>
-            <a:r>
-              <a:rPr lang="es-ES" smtClean="0"/>
-              <a:t>Editar el estilo de texto del patrón</a:t>
-            </a:r>
-          </a:p>
-          <a:p>
-            <a:pPr lvl="1"/>
-            <a:r>
-              <a:rPr lang="es-ES" smtClean="0"/>
-              <a:t>Segundo nivel</a:t>
-            </a:r>
-          </a:p>
-          <a:p>
-            <a:pPr lvl="2"/>
-            <a:r>
-              <a:rPr lang="es-ES" smtClean="0"/>
-              <a:t>Tercer nivel</a:t>
-            </a:r>
-          </a:p>
-          <a:p>
-            <a:pPr lvl="3"/>
-            <a:r>
-              <a:rPr lang="es-ES" smtClean="0"/>
-              <a:t>Cuarto nivel</a:t>
-            </a:r>
-          </a:p>
-          <a:p>
-            <a:pPr lvl="4"/>
-            <a:r>
-              <a:rPr lang="es-ES" smtClean="0"/>
-              <a:t>Quinto nivel</a:t>
-            </a:r>
-            <a:endParaRPr lang="es-CR"/>
-          </a:p>
-        </p:txBody>
-      </p:sp>
-      <p:sp>
-        <p:nvSpPr>
-          <p:cNvPr id="6" name="Marcador de pie de página 5"/>
-          <p:cNvSpPr>
-            <a:spLocks noGrp="1"/>
-          </p:cNvSpPr>
-          <p:nvPr>
-            <p:ph type="ftr" sz="quarter" idx="4"/>
-          </p:nvPr>
-        </p:nvSpPr>
-        <p:spPr>
-          <a:xfrm>
-            <a:off x="0" y="8685213"/>
-            <a:ext cx="2971800" cy="458787"/>
-          </a:xfrm>
-          <a:prstGeom prst="rect">
-            <a:avLst/>
-          </a:prstGeom>
-        </p:spPr>
-        <p:txBody>
-          <a:bodyPr vert="horz" lIns="91440" tIns="45720" rIns="91440" bIns="45720" rtlCol="0" anchor="b"/>
-          <a:lstStyle>
-            <a:lvl1pPr algn="l">
-              <a:defRPr sz="1200"/>
-            </a:lvl1pPr>
-          </a:lstStyle>
-          <a:p>
-            <a:endParaRPr lang="es-CR"/>
-          </a:p>
-        </p:txBody>
-      </p:sp>
-      <p:sp>
-        <p:nvSpPr>
-          <p:cNvPr id="7" name="Marcador de número de diapositiva 6"/>
-          <p:cNvSpPr>
-            <a:spLocks noGrp="1"/>
-          </p:cNvSpPr>
-          <p:nvPr>
-            <p:ph type="sldNum" sz="quarter" idx="5"/>
-          </p:nvPr>
-        </p:nvSpPr>
-        <p:spPr>
-          <a:xfrm>
-            <a:off x="3884613" y="8685213"/>
-            <a:ext cx="2971800" cy="458787"/>
-          </a:xfrm>
-          <a:prstGeom prst="rect">
-            <a:avLst/>
-          </a:prstGeom>
-        </p:spPr>
-        <p:txBody>
-          <a:bodyPr vert="horz" lIns="91440" tIns="45720" rIns="91440" bIns="45720" rtlCol="0" anchor="b"/>
-          <a:lstStyle>
-            <a:lvl1pPr algn="r">
-              <a:defRPr sz="1200"/>
-            </a:lvl1pPr>
-          </a:lstStyle>
-          <a:p>
-            <a:fld id="{D21F2E9D-0781-4C20-8E6C-AF0A41EDE10E}" type="slidenum">
-              <a:rPr lang="es-CR" smtClean="0"/>
-              <a:t>‹Nº›</a:t>
-            </a:fld>
-            <a:endParaRPr lang="es-CR"/>
-          </a:p>
-        </p:txBody>
-      </p:sp>
-    </p:spTree>
-    <p:extLst>
-      <p:ext uri="{BB962C8B-B14F-4D97-AF65-F5344CB8AC3E}">
-        <p14:creationId xmlns:p14="http://schemas.microsoft.com/office/powerpoint/2010/main" val="2051316925"/>
-      </p:ext>
-    </p:extLst>
-  </p:cSld>
-  <p:clrMap bg1="lt1" tx1="dk1" bg2="lt2" tx2="dk2" accent1="accent1" accent2="accent2" accent3="accent3" accent4="accent4" accent5="accent5" accent6="accent6" hlink="hlink" folHlink="folHlink"/>
-  <p:notesStyle>
-    <a:lvl1pPr marL="0" algn="l" defTabSz="914400" rtl="0" eaLnBrk="1" latinLnBrk="0" hangingPunct="1">
-      <a:defRPr sz="1200" kern="1200">
-        <a:solidFill>
-          <a:schemeClr val="tx1"/>
-        </a:solidFill>
-        <a:latin typeface="+mn-lt"/>
-        <a:ea typeface="+mn-ea"/>
-        <a:cs typeface="+mn-cs"/>
-      </a:defRPr>
-    </a:lvl1pPr>
-    <a:lvl2pPr marL="457200" algn="l" defTabSz="914400" rtl="0" eaLnBrk="1" latinLnBrk="0" hangingPunct="1">
-      <a:defRPr sz="1200" kern="1200">
-        <a:solidFill>
-          <a:schemeClr val="tx1"/>
-        </a:solidFill>
-        <a:latin typeface="+mn-lt"/>
-        <a:ea typeface="+mn-ea"/>
-        <a:cs typeface="+mn-cs"/>
-      </a:defRPr>
-    </a:lvl2pPr>
-    <a:lvl3pPr marL="914400" algn="l" defTabSz="914400" rtl="0" eaLnBrk="1" latinLnBrk="0" hangingPunct="1">
-      <a:defRPr sz="1200" kern="1200">
-        <a:solidFill>
-          <a:schemeClr val="tx1"/>
-        </a:solidFill>
-        <a:latin typeface="+mn-lt"/>
-        <a:ea typeface="+mn-ea"/>
-        <a:cs typeface="+mn-cs"/>
-      </a:defRPr>
-    </a:lvl3pPr>
-    <a:lvl4pPr marL="1371600" algn="l" defTabSz="914400" rtl="0" eaLnBrk="1" latinLnBrk="0" hangingPunct="1">
-      <a:defRPr sz="1200" kern="1200">
-        <a:solidFill>
-          <a:schemeClr val="tx1"/>
-        </a:solidFill>
-        <a:latin typeface="+mn-lt"/>
-        <a:ea typeface="+mn-ea"/>
-        <a:cs typeface="+mn-cs"/>
-      </a:defRPr>
-    </a:lvl4pPr>
-    <a:lvl5pPr marL="1828800" algn="l" defTabSz="914400" rtl="0" eaLnBrk="1" latinLnBrk="0" hangingPunct="1">
-      <a:defRPr sz="1200" kern="1200">
-        <a:solidFill>
-          <a:schemeClr val="tx1"/>
-        </a:solidFill>
-        <a:latin typeface="+mn-lt"/>
-        <a:ea typeface="+mn-ea"/>
-        <a:cs typeface="+mn-cs"/>
-      </a:defRPr>
-    </a:lvl5pPr>
-    <a:lvl6pPr marL="2286000" algn="l" defTabSz="914400" rtl="0" eaLnBrk="1" latinLnBrk="0" hangingPunct="1">
-      <a:defRPr sz="1200" kern="1200">
-        <a:solidFill>
-          <a:schemeClr val="tx1"/>
-        </a:solidFill>
-        <a:latin typeface="+mn-lt"/>
-        <a:ea typeface="+mn-ea"/>
-        <a:cs typeface="+mn-cs"/>
-      </a:defRPr>
-    </a:lvl6pPr>
-    <a:lvl7pPr marL="2743200" algn="l" defTabSz="914400" rtl="0" eaLnBrk="1" latinLnBrk="0" hangingPunct="1">
-      <a:defRPr sz="1200" kern="1200">
-        <a:solidFill>
-          <a:schemeClr val="tx1"/>
-        </a:solidFill>
-        <a:latin typeface="+mn-lt"/>
-        <a:ea typeface="+mn-ea"/>
-        <a:cs typeface="+mn-cs"/>
-      </a:defRPr>
-    </a:lvl7pPr>
-    <a:lvl8pPr marL="3200400" algn="l" defTabSz="914400" rtl="0" eaLnBrk="1" latinLnBrk="0" hangingPunct="1">
-      <a:defRPr sz="1200" kern="1200">
-        <a:solidFill>
-          <a:schemeClr val="tx1"/>
-        </a:solidFill>
-        <a:latin typeface="+mn-lt"/>
-        <a:ea typeface="+mn-ea"/>
-        <a:cs typeface="+mn-cs"/>
-      </a:defRPr>
-    </a:lvl8pPr>
-    <a:lvl9pPr marL="3657600" algn="l" defTabSz="914400" rtl="0" eaLnBrk="1" latinLnBrk="0" hangingPunct="1">
-      <a:defRPr sz="1200" kern="1200">
-        <a:solidFill>
-          <a:schemeClr val="tx1"/>
-        </a:solidFill>
-        <a:latin typeface="+mn-lt"/>
-        <a:ea typeface="+mn-ea"/>
-        <a:cs typeface="+mn-cs"/>
-      </a:defRPr>
-    </a:lvl9pPr>
-  </p:notesStyle>
-</p:notesMaster>
-</file>
-
-<file path=ppt/notesSlides/notesSlide1.xml><?xml version="1.0" encoding="utf-8"?>
-<p:notes xmlns:a="http://schemas.openxmlformats.org/drawingml/2006/main" xmlns:r="http://schemas.openxmlformats.org/officeDocument/2006/relationships" xmlns:p="http://schemas.openxmlformats.org/presentationml/2006/main">
-  <p:cSld>
-    <p:spTree>
-      <p:nvGrpSpPr>
-        <p:cNvPr id="1" name=""/>
-        <p:cNvGrpSpPr/>
-        <p:nvPr/>
-      </p:nvGrpSpPr>
-      <p:grpSpPr>
-        <a:xfrm>
-          <a:off x="0" y="0"/>
-          <a:ext cx="0" cy="0"/>
-          <a:chOff x="0" y="0"/>
-          <a:chExt cx="0" cy="0"/>
-        </a:xfrm>
-      </p:grpSpPr>
-      <p:sp>
-        <p:nvSpPr>
-          <p:cNvPr id="2" name="Marcador de imagen de diapositiva 1"/>
-          <p:cNvSpPr>
-            <a:spLocks noGrp="1" noRot="1" noChangeAspect="1"/>
-          </p:cNvSpPr>
-          <p:nvPr>
-            <p:ph type="sldImg"/>
-          </p:nvPr>
-        </p:nvSpPr>
-        <p:spPr/>
-      </p:sp>
-      <p:sp>
-        <p:nvSpPr>
-          <p:cNvPr id="3" name="Marcador de notas 2"/>
-          <p:cNvSpPr>
-            <a:spLocks noGrp="1"/>
-          </p:cNvSpPr>
-          <p:nvPr>
-            <p:ph type="body" idx="1"/>
-          </p:nvPr>
-        </p:nvSpPr>
-        <p:spPr/>
-        <p:txBody>
-          <a:bodyPr/>
-          <a:lstStyle/>
-          <a:p>
-            <a:endParaRPr lang="es-CR" dirty="0"/>
-          </a:p>
-        </p:txBody>
-      </p:sp>
-      <p:sp>
-        <p:nvSpPr>
-          <p:cNvPr id="4" name="Marcador de número de diapositiva 3"/>
-          <p:cNvSpPr>
-            <a:spLocks noGrp="1"/>
-          </p:cNvSpPr>
-          <p:nvPr>
-            <p:ph type="sldNum" sz="quarter" idx="10"/>
-          </p:nvPr>
-        </p:nvSpPr>
-        <p:spPr/>
-        <p:txBody>
-          <a:bodyPr/>
-          <a:lstStyle/>
-          <a:p>
-            <a:fld id="{D21F2E9D-0781-4C20-8E6C-AF0A41EDE10E}" type="slidenum">
-              <a:rPr lang="es-CR" smtClean="0"/>
-              <a:t>1</a:t>
-            </a:fld>
-            <a:endParaRPr lang="es-CR"/>
-          </a:p>
-        </p:txBody>
-      </p:sp>
-    </p:spTree>
-    <p:extLst>
-      <p:ext uri="{BB962C8B-B14F-4D97-AF65-F5344CB8AC3E}">
-        <p14:creationId xmlns:p14="http://schemas.microsoft.com/office/powerpoint/2010/main" val="684080728"/>
-      </p:ext>
-    </p:extLst>
-  </p:cSld>
-  <p:clrMapOvr>
-    <a:masterClrMapping/>
-  </p:clrMapOvr>
-</p:notes>
-</file>
-
-<file path=ppt/notesSlides/notesSlide2.xml><?xml version="1.0" encoding="utf-8"?>
-<p:notes xmlns:a="http://schemas.openxmlformats.org/drawingml/2006/main" xmlns:r="http://schemas.openxmlformats.org/officeDocument/2006/relationships" xmlns:p="http://schemas.openxmlformats.org/presentationml/2006/main">
-  <p:cSld>
-    <p:spTree>
-      <p:nvGrpSpPr>
-        <p:cNvPr id="1" name=""/>
-        <p:cNvGrpSpPr/>
-        <p:nvPr/>
-      </p:nvGrpSpPr>
-      <p:grpSpPr>
-        <a:xfrm>
-          <a:off x="0" y="0"/>
-          <a:ext cx="0" cy="0"/>
-          <a:chOff x="0" y="0"/>
-          <a:chExt cx="0" cy="0"/>
-        </a:xfrm>
-      </p:grpSpPr>
-      <p:sp>
-        <p:nvSpPr>
-          <p:cNvPr id="2" name="Marcador de imagen de diapositiva 1"/>
-          <p:cNvSpPr>
-            <a:spLocks noGrp="1" noRot="1" noChangeAspect="1"/>
-          </p:cNvSpPr>
-          <p:nvPr>
-            <p:ph type="sldImg"/>
-          </p:nvPr>
-        </p:nvSpPr>
-        <p:spPr/>
-      </p:sp>
-      <p:sp>
-        <p:nvSpPr>
-          <p:cNvPr id="3" name="Marcador de notas 2"/>
-          <p:cNvSpPr>
-            <a:spLocks noGrp="1"/>
-          </p:cNvSpPr>
-          <p:nvPr>
-            <p:ph type="body" idx="1"/>
-          </p:nvPr>
-        </p:nvSpPr>
-        <p:spPr/>
-        <p:txBody>
-          <a:bodyPr/>
-          <a:lstStyle/>
-          <a:p>
-            <a:endParaRPr lang="es-CR" dirty="0"/>
-          </a:p>
-        </p:txBody>
-      </p:sp>
-      <p:sp>
-        <p:nvSpPr>
-          <p:cNvPr id="4" name="Marcador de número de diapositiva 3"/>
-          <p:cNvSpPr>
-            <a:spLocks noGrp="1"/>
-          </p:cNvSpPr>
-          <p:nvPr>
-            <p:ph type="sldNum" sz="quarter" idx="10"/>
-          </p:nvPr>
-        </p:nvSpPr>
-        <p:spPr/>
-        <p:txBody>
-          <a:bodyPr/>
-          <a:lstStyle/>
-          <a:p>
-            <a:fld id="{D21F2E9D-0781-4C20-8E6C-AF0A41EDE10E}" type="slidenum">
-              <a:rPr lang="es-CR" smtClean="0"/>
-              <a:t>2</a:t>
-            </a:fld>
-            <a:endParaRPr lang="es-CR"/>
-          </a:p>
-        </p:txBody>
-      </p:sp>
-    </p:spTree>
-    <p:extLst>
-      <p:ext uri="{BB962C8B-B14F-4D97-AF65-F5344CB8AC3E}">
-        <p14:creationId xmlns:p14="http://schemas.microsoft.com/office/powerpoint/2010/main" val="4056470168"/>
-      </p:ext>
-    </p:extLst>
-  </p:cSld>
-  <p:clrMapOvr>
-    <a:masterClrMapping/>
-  </p:clrMapOvr>
-</p:notes>
-</file>
-
-<file path=ppt/notesSlides/notesSlide3.xml><?xml version="1.0" encoding="utf-8"?>
-<p:notes xmlns:a="http://schemas.openxmlformats.org/drawingml/2006/main" xmlns:r="http://schemas.openxmlformats.org/officeDocument/2006/relationships" xmlns:p="http://schemas.openxmlformats.org/presentationml/2006/main">
-  <p:cSld>
-    <p:spTree>
-      <p:nvGrpSpPr>
-        <p:cNvPr id="1" name=""/>
-        <p:cNvGrpSpPr/>
-        <p:nvPr/>
-      </p:nvGrpSpPr>
-      <p:grpSpPr>
-        <a:xfrm>
-          <a:off x="0" y="0"/>
-          <a:ext cx="0" cy="0"/>
-          <a:chOff x="0" y="0"/>
-          <a:chExt cx="0" cy="0"/>
-        </a:xfrm>
-      </p:grpSpPr>
-      <p:sp>
-        <p:nvSpPr>
-          <p:cNvPr id="2" name="Marcador de imagen de diapositiva 1"/>
-          <p:cNvSpPr>
-            <a:spLocks noGrp="1" noRot="1" noChangeAspect="1"/>
-          </p:cNvSpPr>
-          <p:nvPr>
-            <p:ph type="sldImg"/>
-          </p:nvPr>
-        </p:nvSpPr>
-        <p:spPr/>
-      </p:sp>
-      <p:sp>
-        <p:nvSpPr>
-          <p:cNvPr id="3" name="Marcador de notas 2"/>
-          <p:cNvSpPr>
-            <a:spLocks noGrp="1"/>
-          </p:cNvSpPr>
-          <p:nvPr>
-            <p:ph type="body" idx="1"/>
-          </p:nvPr>
-        </p:nvSpPr>
-        <p:spPr/>
-        <p:txBody>
-          <a:bodyPr/>
-          <a:lstStyle/>
-          <a:p>
-            <a:endParaRPr lang="es-CR" dirty="0"/>
-          </a:p>
-        </p:txBody>
-      </p:sp>
-      <p:sp>
-        <p:nvSpPr>
-          <p:cNvPr id="4" name="Marcador de número de diapositiva 3"/>
-          <p:cNvSpPr>
-            <a:spLocks noGrp="1"/>
-          </p:cNvSpPr>
-          <p:nvPr>
-            <p:ph type="sldNum" sz="quarter" idx="10"/>
-          </p:nvPr>
-        </p:nvSpPr>
-        <p:spPr/>
-        <p:txBody>
-          <a:bodyPr/>
-          <a:lstStyle/>
-          <a:p>
-            <a:fld id="{D21F2E9D-0781-4C20-8E6C-AF0A41EDE10E}" type="slidenum">
-              <a:rPr lang="es-CR" smtClean="0"/>
-              <a:t>3</a:t>
-            </a:fld>
-            <a:endParaRPr lang="es-CR"/>
-          </a:p>
-        </p:txBody>
-      </p:sp>
-    </p:spTree>
-    <p:extLst>
-      <p:ext uri="{BB962C8B-B14F-4D97-AF65-F5344CB8AC3E}">
-        <p14:creationId xmlns:p14="http://schemas.microsoft.com/office/powerpoint/2010/main" val="2740732287"/>
-      </p:ext>
-    </p:extLst>
-  </p:cSld>
-  <p:clrMapOvr>
-    <a:masterClrMapping/>
-  </p:clrMapOvr>
-</p:notes>
-</file>
-
-<file path=ppt/notesSlides/notesSlide4.xml><?xml version="1.0" encoding="utf-8"?>
-<p:notes xmlns:a="http://schemas.openxmlformats.org/drawingml/2006/main" xmlns:r="http://schemas.openxmlformats.org/officeDocument/2006/relationships" xmlns:p="http://schemas.openxmlformats.org/presentationml/2006/main">
-  <p:cSld>
-    <p:spTree>
-      <p:nvGrpSpPr>
-        <p:cNvPr id="1" name=""/>
-        <p:cNvGrpSpPr/>
-        <p:nvPr/>
-      </p:nvGrpSpPr>
-      <p:grpSpPr>
-        <a:xfrm>
-          <a:off x="0" y="0"/>
-          <a:ext cx="0" cy="0"/>
-          <a:chOff x="0" y="0"/>
-          <a:chExt cx="0" cy="0"/>
-        </a:xfrm>
-      </p:grpSpPr>
-      <p:sp>
-        <p:nvSpPr>
-          <p:cNvPr id="2" name="Marcador de imagen de diapositiva 1"/>
-          <p:cNvSpPr>
-            <a:spLocks noGrp="1" noRot="1" noChangeAspect="1"/>
-          </p:cNvSpPr>
-          <p:nvPr>
-            <p:ph type="sldImg"/>
-          </p:nvPr>
-        </p:nvSpPr>
-        <p:spPr/>
-      </p:sp>
-      <p:sp>
-        <p:nvSpPr>
-          <p:cNvPr id="3" name="Marcador de notas 2"/>
-          <p:cNvSpPr>
-            <a:spLocks noGrp="1"/>
-          </p:cNvSpPr>
-          <p:nvPr>
-            <p:ph type="body" idx="1"/>
-          </p:nvPr>
-        </p:nvSpPr>
-        <p:spPr/>
-        <p:txBody>
-          <a:bodyPr/>
-          <a:lstStyle/>
-          <a:p>
-            <a:endParaRPr lang="es-CR" dirty="0"/>
-          </a:p>
-        </p:txBody>
-      </p:sp>
-      <p:sp>
-        <p:nvSpPr>
-          <p:cNvPr id="4" name="Marcador de número de diapositiva 3"/>
-          <p:cNvSpPr>
-            <a:spLocks noGrp="1"/>
-          </p:cNvSpPr>
-          <p:nvPr>
-            <p:ph type="sldNum" sz="quarter" idx="10"/>
-          </p:nvPr>
-        </p:nvSpPr>
-        <p:spPr/>
-        <p:txBody>
-          <a:bodyPr/>
-          <a:lstStyle/>
-          <a:p>
-            <a:fld id="{D21F2E9D-0781-4C20-8E6C-AF0A41EDE10E}" type="slidenum">
-              <a:rPr lang="es-CR" smtClean="0"/>
-              <a:t>4</a:t>
-            </a:fld>
-            <a:endParaRPr lang="es-CR"/>
-          </a:p>
-        </p:txBody>
-      </p:sp>
-    </p:spTree>
-    <p:extLst>
-      <p:ext uri="{BB962C8B-B14F-4D97-AF65-F5344CB8AC3E}">
-        <p14:creationId xmlns:p14="http://schemas.microsoft.com/office/powerpoint/2010/main" val="4040052131"/>
-      </p:ext>
-    </p:extLst>
-  </p:cSld>
-  <p:clrMapOvr>
-    <a:masterClrMapping/>
-  </p:clrMapOvr>
-</p:notes>
-</file>
-
-<file path=ppt/notesSlides/notesSlide5.xml><?xml version="1.0" encoding="utf-8"?>
-<p:notes xmlns:a="http://schemas.openxmlformats.org/drawingml/2006/main" xmlns:r="http://schemas.openxmlformats.org/officeDocument/2006/relationships" xmlns:p="http://schemas.openxmlformats.org/presentationml/2006/main">
-  <p:cSld>
-    <p:spTree>
-      <p:nvGrpSpPr>
-        <p:cNvPr id="1" name=""/>
-        <p:cNvGrpSpPr/>
-        <p:nvPr/>
-      </p:nvGrpSpPr>
-      <p:grpSpPr>
-        <a:xfrm>
-          <a:off x="0" y="0"/>
-          <a:ext cx="0" cy="0"/>
-          <a:chOff x="0" y="0"/>
-          <a:chExt cx="0" cy="0"/>
-        </a:xfrm>
-      </p:grpSpPr>
-      <p:sp>
-        <p:nvSpPr>
-          <p:cNvPr id="2" name="Marcador de imagen de diapositiva 1"/>
-          <p:cNvSpPr>
-            <a:spLocks noGrp="1" noRot="1" noChangeAspect="1"/>
-          </p:cNvSpPr>
-          <p:nvPr>
-            <p:ph type="sldImg"/>
-          </p:nvPr>
-        </p:nvSpPr>
-        <p:spPr/>
-      </p:sp>
-      <p:sp>
-        <p:nvSpPr>
-          <p:cNvPr id="3" name="Marcador de notas 2"/>
-          <p:cNvSpPr>
-            <a:spLocks noGrp="1"/>
-          </p:cNvSpPr>
-          <p:nvPr>
-            <p:ph type="body" idx="1"/>
-          </p:nvPr>
-        </p:nvSpPr>
-        <p:spPr/>
-        <p:txBody>
-          <a:bodyPr/>
-          <a:lstStyle/>
-          <a:p>
-            <a:endParaRPr lang="es-CR" dirty="0"/>
-          </a:p>
-        </p:txBody>
-      </p:sp>
-      <p:sp>
-        <p:nvSpPr>
-          <p:cNvPr id="4" name="Marcador de número de diapositiva 3"/>
-          <p:cNvSpPr>
-            <a:spLocks noGrp="1"/>
-          </p:cNvSpPr>
-          <p:nvPr>
-            <p:ph type="sldNum" sz="quarter" idx="10"/>
-          </p:nvPr>
-        </p:nvSpPr>
-        <p:spPr/>
-        <p:txBody>
-          <a:bodyPr/>
-          <a:lstStyle/>
-          <a:p>
-            <a:fld id="{D21F2E9D-0781-4C20-8E6C-AF0A41EDE10E}" type="slidenum">
-              <a:rPr lang="es-CR" smtClean="0"/>
-              <a:t>5</a:t>
-            </a:fld>
-            <a:endParaRPr lang="es-CR"/>
-          </a:p>
-        </p:txBody>
-      </p:sp>
-    </p:spTree>
-    <p:extLst>
-      <p:ext uri="{BB962C8B-B14F-4D97-AF65-F5344CB8AC3E}">
-        <p14:creationId xmlns:p14="http://schemas.microsoft.com/office/powerpoint/2010/main" val="1790582063"/>
-      </p:ext>
-    </p:extLst>
-  </p:cSld>
-  <p:clrMapOvr>
-    <a:masterClrMapping/>
-  </p:clrMapOvr>
-</p:notes>
-</file>
-
-<file path=ppt/notesSlides/notesSlide6.xml><?xml version="1.0" encoding="utf-8"?>
-<p:notes xmlns:a="http://schemas.openxmlformats.org/drawingml/2006/main" xmlns:r="http://schemas.openxmlformats.org/officeDocument/2006/relationships" xmlns:p="http://schemas.openxmlformats.org/presentationml/2006/main">
-  <p:cSld>
-    <p:spTree>
-      <p:nvGrpSpPr>
-        <p:cNvPr id="1" name=""/>
-        <p:cNvGrpSpPr/>
-        <p:nvPr/>
-      </p:nvGrpSpPr>
-      <p:grpSpPr>
-        <a:xfrm>
-          <a:off x="0" y="0"/>
-          <a:ext cx="0" cy="0"/>
-          <a:chOff x="0" y="0"/>
-          <a:chExt cx="0" cy="0"/>
-        </a:xfrm>
-      </p:grpSpPr>
-      <p:sp>
-        <p:nvSpPr>
-          <p:cNvPr id="2" name="Marcador de imagen de diapositiva 1"/>
-          <p:cNvSpPr>
-            <a:spLocks noGrp="1" noRot="1" noChangeAspect="1"/>
-          </p:cNvSpPr>
-          <p:nvPr>
-            <p:ph type="sldImg"/>
-          </p:nvPr>
-        </p:nvSpPr>
-        <p:spPr/>
-      </p:sp>
-      <p:sp>
-        <p:nvSpPr>
-          <p:cNvPr id="3" name="Marcador de notas 2"/>
-          <p:cNvSpPr>
-            <a:spLocks noGrp="1"/>
-          </p:cNvSpPr>
-          <p:nvPr>
-            <p:ph type="body" idx="1"/>
-          </p:nvPr>
-        </p:nvSpPr>
-        <p:spPr/>
-        <p:txBody>
-          <a:bodyPr/>
-          <a:lstStyle/>
-          <a:p>
-            <a:endParaRPr lang="es-CR" dirty="0"/>
-          </a:p>
-        </p:txBody>
-      </p:sp>
-      <p:sp>
-        <p:nvSpPr>
-          <p:cNvPr id="4" name="Marcador de número de diapositiva 3"/>
-          <p:cNvSpPr>
-            <a:spLocks noGrp="1"/>
-          </p:cNvSpPr>
-          <p:nvPr>
-            <p:ph type="sldNum" sz="quarter" idx="10"/>
-          </p:nvPr>
-        </p:nvSpPr>
-        <p:spPr/>
-        <p:txBody>
-          <a:bodyPr/>
-          <a:lstStyle/>
-          <a:p>
-            <a:fld id="{D21F2E9D-0781-4C20-8E6C-AF0A41EDE10E}" type="slidenum">
-              <a:rPr lang="es-CR" smtClean="0"/>
-              <a:t>6</a:t>
-            </a:fld>
-            <a:endParaRPr lang="es-CR"/>
-          </a:p>
-        </p:txBody>
-      </p:sp>
-    </p:spTree>
-    <p:extLst>
-      <p:ext uri="{BB962C8B-B14F-4D97-AF65-F5344CB8AC3E}">
-        <p14:creationId xmlns:p14="http://schemas.microsoft.com/office/powerpoint/2010/main" val="4205502677"/>
-      </p:ext>
-    </p:extLst>
-  </p:cSld>
-  <p:clrMapOvr>
-    <a:masterClrMapping/>
-  </p:clrMapOvr>
-</p:notes>
-</file>
-
 <file path=ppt/slideLayouts/slideLayout1.xml><?xml version="1.0" encoding="utf-8"?>
 <p:sldLayout xmlns:a="http://schemas.openxmlformats.org/drawingml/2006/main" xmlns:r="http://schemas.openxmlformats.org/officeDocument/2006/relationships" xmlns:p="http://schemas.openxmlformats.org/presentationml/2006/main" type="title" preserve="1">
   <p:cSld name="Diapositiva de título">
@@ -994,7 +136,13 @@
       </p:grpSpPr>
       <p:sp>
         <p:nvSpPr>
-          <p:cNvPr id="2" name="Título 1"/>
+          <p:cNvPr id="2" name="Título 1">
+            <a:extLst>
+              <a:ext uri="{FF2B5EF4-FFF2-40B4-BE49-F238E27FC236}">
+                <a16:creationId xmlns:a16="http://schemas.microsoft.com/office/drawing/2014/main" id="{B8BC5A97-DAB8-48BB-82AF-E096A3307C03}"/>
+              </a:ext>
+            </a:extLst>
+          </p:cNvPr>
           <p:cNvSpPr>
             <a:spLocks noGrp="1"/>
           </p:cNvSpPr>
@@ -1017,7 +165,7 @@
           </a:lstStyle>
           <a:p>
             <a:r>
-              <a:rPr lang="es-ES" smtClean="0"/>
+              <a:rPr lang="es-ES"/>
               <a:t>Haga clic para modificar el estilo de título del patrón</a:t>
             </a:r>
             <a:endParaRPr lang="es-CR"/>
@@ -1026,7 +174,13 @@
       </p:sp>
       <p:sp>
         <p:nvSpPr>
-          <p:cNvPr id="3" name="Subtítulo 2"/>
+          <p:cNvPr id="3" name="Subtítulo 2">
+            <a:extLst>
+              <a:ext uri="{FF2B5EF4-FFF2-40B4-BE49-F238E27FC236}">
+                <a16:creationId xmlns:a16="http://schemas.microsoft.com/office/drawing/2014/main" id="{C721BA2D-0D5D-49CB-9345-73860590C7FC}"/>
+              </a:ext>
+            </a:extLst>
+          </p:cNvPr>
           <p:cNvSpPr>
             <a:spLocks noGrp="1"/>
           </p:cNvSpPr>
@@ -1082,16 +236,22 @@
           </a:lstStyle>
           <a:p>
             <a:r>
-              <a:rPr lang="es-ES" smtClean="0"/>
-              <a:t>Haga clic para editar el estilo de subtítulo del patrón</a:t>
-            </a:r>
-            <a:endParaRPr lang="es-CR"/>
-          </a:p>
-        </p:txBody>
-      </p:sp>
-      <p:sp>
-        <p:nvSpPr>
-          <p:cNvPr id="4" name="Marcador de fecha 3"/>
+              <a:rPr lang="es-ES"/>
+              <a:t>Haga clic para modificar el estilo de subtítulo del patrón</a:t>
+            </a:r>
+            <a:endParaRPr lang="es-CR"/>
+          </a:p>
+        </p:txBody>
+      </p:sp>
+      <p:sp>
+        <p:nvSpPr>
+          <p:cNvPr id="4" name="Marcador de fecha 3">
+            <a:extLst>
+              <a:ext uri="{FF2B5EF4-FFF2-40B4-BE49-F238E27FC236}">
+                <a16:creationId xmlns:a16="http://schemas.microsoft.com/office/drawing/2014/main" id="{36F908BA-03E4-4A99-9BE3-C963AADDE52E}"/>
+              </a:ext>
+            </a:extLst>
+          </p:cNvPr>
           <p:cNvSpPr>
             <a:spLocks noGrp="1"/>
           </p:cNvSpPr>
@@ -1104,9 +264,9 @@
           <a:bodyPr/>
           <a:lstStyle/>
           <a:p>
-            <a:fld id="{4097F1C0-AB73-4599-94B3-8B167406BF92}" type="datetimeFigureOut">
+            <a:fld id="{3A70AC66-A815-4559-8182-3A03A5640481}" type="datetimeFigureOut">
               <a:rPr lang="es-CR" smtClean="0"/>
-              <a:t>15/10/2020</a:t>
+              <a:t>23/09/2021</a:t>
             </a:fld>
             <a:endParaRPr lang="es-CR"/>
           </a:p>
@@ -1114,7 +274,13 @@
       </p:sp>
       <p:sp>
         <p:nvSpPr>
-          <p:cNvPr id="5" name="Marcador de pie de página 4"/>
+          <p:cNvPr id="5" name="Marcador de pie de página 4">
+            <a:extLst>
+              <a:ext uri="{FF2B5EF4-FFF2-40B4-BE49-F238E27FC236}">
+                <a16:creationId xmlns:a16="http://schemas.microsoft.com/office/drawing/2014/main" id="{4E14CDC3-0C43-4C43-9AD3-49F79BBFD0F2}"/>
+              </a:ext>
+            </a:extLst>
+          </p:cNvPr>
           <p:cNvSpPr>
             <a:spLocks noGrp="1"/>
           </p:cNvSpPr>
@@ -1133,7 +299,13 @@
       </p:sp>
       <p:sp>
         <p:nvSpPr>
-          <p:cNvPr id="6" name="Marcador de número de diapositiva 5"/>
+          <p:cNvPr id="6" name="Marcador de número de diapositiva 5">
+            <a:extLst>
+              <a:ext uri="{FF2B5EF4-FFF2-40B4-BE49-F238E27FC236}">
+                <a16:creationId xmlns:a16="http://schemas.microsoft.com/office/drawing/2014/main" id="{4FDB5FCA-DD04-4E53-93F8-276909958553}"/>
+              </a:ext>
+            </a:extLst>
+          </p:cNvPr>
           <p:cNvSpPr>
             <a:spLocks noGrp="1"/>
           </p:cNvSpPr>
@@ -1146,7 +318,7 @@
           <a:bodyPr/>
           <a:lstStyle/>
           <a:p>
-            <a:fld id="{C4DE4BA8-472F-4FDC-AFF2-19F1D080A936}" type="slidenum">
+            <a:fld id="{ECB83ED2-F851-435F-92AB-DD2115C3C395}" type="slidenum">
               <a:rPr lang="es-CR" smtClean="0"/>
               <a:t>‹Nº›</a:t>
             </a:fld>
@@ -1157,7 +329,7 @@
     </p:spTree>
     <p:extLst>
       <p:ext uri="{BB962C8B-B14F-4D97-AF65-F5344CB8AC3E}">
-        <p14:creationId xmlns:p14="http://schemas.microsoft.com/office/powerpoint/2010/main" val="1484290119"/>
+        <p14:creationId xmlns:p14="http://schemas.microsoft.com/office/powerpoint/2010/main" val="804871339"/>
       </p:ext>
     </p:extLst>
   </p:cSld>
@@ -1186,7 +358,13 @@
       </p:grpSpPr>
       <p:sp>
         <p:nvSpPr>
-          <p:cNvPr id="2" name="Título 1"/>
+          <p:cNvPr id="2" name="Título 1">
+            <a:extLst>
+              <a:ext uri="{FF2B5EF4-FFF2-40B4-BE49-F238E27FC236}">
+                <a16:creationId xmlns:a16="http://schemas.microsoft.com/office/drawing/2014/main" id="{523E98A9-6F62-45AA-B98E-61CFB5B64D10}"/>
+              </a:ext>
+            </a:extLst>
+          </p:cNvPr>
           <p:cNvSpPr>
             <a:spLocks noGrp="1"/>
           </p:cNvSpPr>
@@ -1200,7 +378,7 @@
           <a:lstStyle/>
           <a:p>
             <a:r>
-              <a:rPr lang="es-ES" smtClean="0"/>
+              <a:rPr lang="es-ES"/>
               <a:t>Haga clic para modificar el estilo de título del patrón</a:t>
             </a:r>
             <a:endParaRPr lang="es-CR"/>
@@ -1209,7 +387,13 @@
       </p:sp>
       <p:sp>
         <p:nvSpPr>
-          <p:cNvPr id="3" name="Marcador de texto vertical 2"/>
+          <p:cNvPr id="3" name="Marcador de texto vertical 2">
+            <a:extLst>
+              <a:ext uri="{FF2B5EF4-FFF2-40B4-BE49-F238E27FC236}">
+                <a16:creationId xmlns:a16="http://schemas.microsoft.com/office/drawing/2014/main" id="{4C145F90-CADA-490C-9603-2DA4278D8A1D}"/>
+              </a:ext>
+            </a:extLst>
+          </p:cNvPr>
           <p:cNvSpPr>
             <a:spLocks noGrp="1"/>
           </p:cNvSpPr>
@@ -1224,35 +408,35 @@
           <a:p>
             <a:pPr lvl="0"/>
             <a:r>
-              <a:rPr lang="es-ES" smtClean="0"/>
-              <a:t>Editar el estilo de texto del patrón</a:t>
+              <a:rPr lang="es-ES"/>
+              <a:t>Haga clic para modificar los estilos de texto del patrón</a:t>
             </a:r>
           </a:p>
           <a:p>
             <a:pPr lvl="1"/>
             <a:r>
-              <a:rPr lang="es-ES" smtClean="0"/>
+              <a:rPr lang="es-ES"/>
               <a:t>Segundo nivel</a:t>
             </a:r>
           </a:p>
           <a:p>
             <a:pPr lvl="2"/>
             <a:r>
-              <a:rPr lang="es-ES" smtClean="0"/>
+              <a:rPr lang="es-ES"/>
               <a:t>Tercer nivel</a:t>
             </a:r>
           </a:p>
           <a:p>
             <a:pPr lvl="3"/>
             <a:r>
-              <a:rPr lang="es-ES" smtClean="0"/>
+              <a:rPr lang="es-ES"/>
               <a:t>Cuarto nivel</a:t>
             </a:r>
           </a:p>
           <a:p>
             <a:pPr lvl="4"/>
             <a:r>
-              <a:rPr lang="es-ES" smtClean="0"/>
+              <a:rPr lang="es-ES"/>
               <a:t>Quinto nivel</a:t>
             </a:r>
             <a:endParaRPr lang="es-CR"/>
@@ -1261,7 +445,13 @@
       </p:sp>
       <p:sp>
         <p:nvSpPr>
-          <p:cNvPr id="4" name="Marcador de fecha 3"/>
+          <p:cNvPr id="4" name="Marcador de fecha 3">
+            <a:extLst>
+              <a:ext uri="{FF2B5EF4-FFF2-40B4-BE49-F238E27FC236}">
+                <a16:creationId xmlns:a16="http://schemas.microsoft.com/office/drawing/2014/main" id="{20F35D38-0CB2-4109-B43D-7BF336F266DD}"/>
+              </a:ext>
+            </a:extLst>
+          </p:cNvPr>
           <p:cNvSpPr>
             <a:spLocks noGrp="1"/>
           </p:cNvSpPr>
@@ -1274,9 +464,9 @@
           <a:bodyPr/>
           <a:lstStyle/>
           <a:p>
-            <a:fld id="{4097F1C0-AB73-4599-94B3-8B167406BF92}" type="datetimeFigureOut">
+            <a:fld id="{3A70AC66-A815-4559-8182-3A03A5640481}" type="datetimeFigureOut">
               <a:rPr lang="es-CR" smtClean="0"/>
-              <a:t>15/10/2020</a:t>
+              <a:t>23/09/2021</a:t>
             </a:fld>
             <a:endParaRPr lang="es-CR"/>
           </a:p>
@@ -1284,7 +474,13 @@
       </p:sp>
       <p:sp>
         <p:nvSpPr>
-          <p:cNvPr id="5" name="Marcador de pie de página 4"/>
+          <p:cNvPr id="5" name="Marcador de pie de página 4">
+            <a:extLst>
+              <a:ext uri="{FF2B5EF4-FFF2-40B4-BE49-F238E27FC236}">
+                <a16:creationId xmlns:a16="http://schemas.microsoft.com/office/drawing/2014/main" id="{C2F4AC2D-CACD-4630-8CE8-3D0B163BF625}"/>
+              </a:ext>
+            </a:extLst>
+          </p:cNvPr>
           <p:cNvSpPr>
             <a:spLocks noGrp="1"/>
           </p:cNvSpPr>
@@ -1303,7 +499,13 @@
       </p:sp>
       <p:sp>
         <p:nvSpPr>
-          <p:cNvPr id="6" name="Marcador de número de diapositiva 5"/>
+          <p:cNvPr id="6" name="Marcador de número de diapositiva 5">
+            <a:extLst>
+              <a:ext uri="{FF2B5EF4-FFF2-40B4-BE49-F238E27FC236}">
+                <a16:creationId xmlns:a16="http://schemas.microsoft.com/office/drawing/2014/main" id="{5626CEF4-251B-4BC4-9D84-310309108051}"/>
+              </a:ext>
+            </a:extLst>
+          </p:cNvPr>
           <p:cNvSpPr>
             <a:spLocks noGrp="1"/>
           </p:cNvSpPr>
@@ -1316,7 +518,7 @@
           <a:bodyPr/>
           <a:lstStyle/>
           <a:p>
-            <a:fld id="{C4DE4BA8-472F-4FDC-AFF2-19F1D080A936}" type="slidenum">
+            <a:fld id="{ECB83ED2-F851-435F-92AB-DD2115C3C395}" type="slidenum">
               <a:rPr lang="es-CR" smtClean="0"/>
               <a:t>‹Nº›</a:t>
             </a:fld>
@@ -1327,7 +529,7 @@
     </p:spTree>
     <p:extLst>
       <p:ext uri="{BB962C8B-B14F-4D97-AF65-F5344CB8AC3E}">
-        <p14:creationId xmlns:p14="http://schemas.microsoft.com/office/powerpoint/2010/main" val="349073424"/>
+        <p14:creationId xmlns:p14="http://schemas.microsoft.com/office/powerpoint/2010/main" val="2597813766"/>
       </p:ext>
     </p:extLst>
   </p:cSld>
@@ -1356,7 +558,13 @@
       </p:grpSpPr>
       <p:sp>
         <p:nvSpPr>
-          <p:cNvPr id="2" name="Título vertical 1"/>
+          <p:cNvPr id="2" name="Título vertical 1">
+            <a:extLst>
+              <a:ext uri="{FF2B5EF4-FFF2-40B4-BE49-F238E27FC236}">
+                <a16:creationId xmlns:a16="http://schemas.microsoft.com/office/drawing/2014/main" id="{0A475795-86BF-4AD3-BCFE-C9A6F6D4DBFC}"/>
+              </a:ext>
+            </a:extLst>
+          </p:cNvPr>
           <p:cNvSpPr>
             <a:spLocks noGrp="1"/>
           </p:cNvSpPr>
@@ -1375,7 +583,7 @@
           <a:lstStyle/>
           <a:p>
             <a:r>
-              <a:rPr lang="es-ES" smtClean="0"/>
+              <a:rPr lang="es-ES"/>
               <a:t>Haga clic para modificar el estilo de título del patrón</a:t>
             </a:r>
             <a:endParaRPr lang="es-CR"/>
@@ -1384,7 +592,13 @@
       </p:sp>
       <p:sp>
         <p:nvSpPr>
-          <p:cNvPr id="3" name="Marcador de texto vertical 2"/>
+          <p:cNvPr id="3" name="Marcador de texto vertical 2">
+            <a:extLst>
+              <a:ext uri="{FF2B5EF4-FFF2-40B4-BE49-F238E27FC236}">
+                <a16:creationId xmlns:a16="http://schemas.microsoft.com/office/drawing/2014/main" id="{E76A28ED-B517-42C6-8E87-F4469FDF6D30}"/>
+              </a:ext>
+            </a:extLst>
+          </p:cNvPr>
           <p:cNvSpPr>
             <a:spLocks noGrp="1"/>
           </p:cNvSpPr>
@@ -1404,35 +618,35 @@
           <a:p>
             <a:pPr lvl="0"/>
             <a:r>
-              <a:rPr lang="es-ES" smtClean="0"/>
-              <a:t>Editar el estilo de texto del patrón</a:t>
+              <a:rPr lang="es-ES"/>
+              <a:t>Haga clic para modificar los estilos de texto del patrón</a:t>
             </a:r>
           </a:p>
           <a:p>
             <a:pPr lvl="1"/>
             <a:r>
-              <a:rPr lang="es-ES" smtClean="0"/>
+              <a:rPr lang="es-ES"/>
               <a:t>Segundo nivel</a:t>
             </a:r>
           </a:p>
           <a:p>
             <a:pPr lvl="2"/>
             <a:r>
-              <a:rPr lang="es-ES" smtClean="0"/>
+              <a:rPr lang="es-ES"/>
               <a:t>Tercer nivel</a:t>
             </a:r>
           </a:p>
           <a:p>
             <a:pPr lvl="3"/>
             <a:r>
-              <a:rPr lang="es-ES" smtClean="0"/>
+              <a:rPr lang="es-ES"/>
               <a:t>Cuarto nivel</a:t>
             </a:r>
           </a:p>
           <a:p>
             <a:pPr lvl="4"/>
             <a:r>
-              <a:rPr lang="es-ES" smtClean="0"/>
+              <a:rPr lang="es-ES"/>
               <a:t>Quinto nivel</a:t>
             </a:r>
             <a:endParaRPr lang="es-CR"/>
@@ -1441,7 +655,13 @@
       </p:sp>
       <p:sp>
         <p:nvSpPr>
-          <p:cNvPr id="4" name="Marcador de fecha 3"/>
+          <p:cNvPr id="4" name="Marcador de fecha 3">
+            <a:extLst>
+              <a:ext uri="{FF2B5EF4-FFF2-40B4-BE49-F238E27FC236}">
+                <a16:creationId xmlns:a16="http://schemas.microsoft.com/office/drawing/2014/main" id="{462C7E2E-E58B-4A10-8AC6-CAD8CD5F75AC}"/>
+              </a:ext>
+            </a:extLst>
+          </p:cNvPr>
           <p:cNvSpPr>
             <a:spLocks noGrp="1"/>
           </p:cNvSpPr>
@@ -1454,9 +674,9 @@
           <a:bodyPr/>
           <a:lstStyle/>
           <a:p>
-            <a:fld id="{4097F1C0-AB73-4599-94B3-8B167406BF92}" type="datetimeFigureOut">
+            <a:fld id="{3A70AC66-A815-4559-8182-3A03A5640481}" type="datetimeFigureOut">
               <a:rPr lang="es-CR" smtClean="0"/>
-              <a:t>15/10/2020</a:t>
+              <a:t>23/09/2021</a:t>
             </a:fld>
             <a:endParaRPr lang="es-CR"/>
           </a:p>
@@ -1464,7 +684,13 @@
       </p:sp>
       <p:sp>
         <p:nvSpPr>
-          <p:cNvPr id="5" name="Marcador de pie de página 4"/>
+          <p:cNvPr id="5" name="Marcador de pie de página 4">
+            <a:extLst>
+              <a:ext uri="{FF2B5EF4-FFF2-40B4-BE49-F238E27FC236}">
+                <a16:creationId xmlns:a16="http://schemas.microsoft.com/office/drawing/2014/main" id="{7E1E993A-47FE-4714-B0F9-AB8241656320}"/>
+              </a:ext>
+            </a:extLst>
+          </p:cNvPr>
           <p:cNvSpPr>
             <a:spLocks noGrp="1"/>
           </p:cNvSpPr>
@@ -1483,7 +709,13 @@
       </p:sp>
       <p:sp>
         <p:nvSpPr>
-          <p:cNvPr id="6" name="Marcador de número de diapositiva 5"/>
+          <p:cNvPr id="6" name="Marcador de número de diapositiva 5">
+            <a:extLst>
+              <a:ext uri="{FF2B5EF4-FFF2-40B4-BE49-F238E27FC236}">
+                <a16:creationId xmlns:a16="http://schemas.microsoft.com/office/drawing/2014/main" id="{EABC4AA4-9BA5-4D61-87B3-B8148ABE3DBF}"/>
+              </a:ext>
+            </a:extLst>
+          </p:cNvPr>
           <p:cNvSpPr>
             <a:spLocks noGrp="1"/>
           </p:cNvSpPr>
@@ -1496,7 +728,7 @@
           <a:bodyPr/>
           <a:lstStyle/>
           <a:p>
-            <a:fld id="{C4DE4BA8-472F-4FDC-AFF2-19F1D080A936}" type="slidenum">
+            <a:fld id="{ECB83ED2-F851-435F-92AB-DD2115C3C395}" type="slidenum">
               <a:rPr lang="es-CR" smtClean="0"/>
               <a:t>‹Nº›</a:t>
             </a:fld>
@@ -1507,7 +739,7 @@
     </p:spTree>
     <p:extLst>
       <p:ext uri="{BB962C8B-B14F-4D97-AF65-F5344CB8AC3E}">
-        <p14:creationId xmlns:p14="http://schemas.microsoft.com/office/powerpoint/2010/main" val="2810508598"/>
+        <p14:creationId xmlns:p14="http://schemas.microsoft.com/office/powerpoint/2010/main" val="128589836"/>
       </p:ext>
     </p:extLst>
   </p:cSld>
@@ -1536,7 +768,13 @@
       </p:grpSpPr>
       <p:sp>
         <p:nvSpPr>
-          <p:cNvPr id="2" name="Título 1"/>
+          <p:cNvPr id="2" name="Título 1">
+            <a:extLst>
+              <a:ext uri="{FF2B5EF4-FFF2-40B4-BE49-F238E27FC236}">
+                <a16:creationId xmlns:a16="http://schemas.microsoft.com/office/drawing/2014/main" id="{D096AD26-86E3-4038-BA66-D4D851DCA07C}"/>
+              </a:ext>
+            </a:extLst>
+          </p:cNvPr>
           <p:cNvSpPr>
             <a:spLocks noGrp="1"/>
           </p:cNvSpPr>
@@ -1550,7 +788,7 @@
           <a:lstStyle/>
           <a:p>
             <a:r>
-              <a:rPr lang="es-ES" smtClean="0"/>
+              <a:rPr lang="es-ES"/>
               <a:t>Haga clic para modificar el estilo de título del patrón</a:t>
             </a:r>
             <a:endParaRPr lang="es-CR"/>
@@ -1559,7 +797,13 @@
       </p:sp>
       <p:sp>
         <p:nvSpPr>
-          <p:cNvPr id="3" name="Marcador de contenido 2"/>
+          <p:cNvPr id="3" name="Marcador de contenido 2">
+            <a:extLst>
+              <a:ext uri="{FF2B5EF4-FFF2-40B4-BE49-F238E27FC236}">
+                <a16:creationId xmlns:a16="http://schemas.microsoft.com/office/drawing/2014/main" id="{F4F73408-A27F-4576-BE72-5592890C01AE}"/>
+              </a:ext>
+            </a:extLst>
+          </p:cNvPr>
           <p:cNvSpPr>
             <a:spLocks noGrp="1"/>
           </p:cNvSpPr>
@@ -1574,35 +818,35 @@
           <a:p>
             <a:pPr lvl="0"/>
             <a:r>
-              <a:rPr lang="es-ES" smtClean="0"/>
-              <a:t>Editar el estilo de texto del patrón</a:t>
+              <a:rPr lang="es-ES"/>
+              <a:t>Haga clic para modificar los estilos de texto del patrón</a:t>
             </a:r>
           </a:p>
           <a:p>
             <a:pPr lvl="1"/>
             <a:r>
-              <a:rPr lang="es-ES" smtClean="0"/>
+              <a:rPr lang="es-ES"/>
               <a:t>Segundo nivel</a:t>
             </a:r>
           </a:p>
           <a:p>
             <a:pPr lvl="2"/>
             <a:r>
-              <a:rPr lang="es-ES" smtClean="0"/>
+              <a:rPr lang="es-ES"/>
               <a:t>Tercer nivel</a:t>
             </a:r>
           </a:p>
           <a:p>
             <a:pPr lvl="3"/>
             <a:r>
-              <a:rPr lang="es-ES" smtClean="0"/>
+              <a:rPr lang="es-ES"/>
               <a:t>Cuarto nivel</a:t>
             </a:r>
           </a:p>
           <a:p>
             <a:pPr lvl="4"/>
             <a:r>
-              <a:rPr lang="es-ES" smtClean="0"/>
+              <a:rPr lang="es-ES"/>
               <a:t>Quinto nivel</a:t>
             </a:r>
             <a:endParaRPr lang="es-CR"/>
@@ -1611,7 +855,13 @@
       </p:sp>
       <p:sp>
         <p:nvSpPr>
-          <p:cNvPr id="4" name="Marcador de fecha 3"/>
+          <p:cNvPr id="4" name="Marcador de fecha 3">
+            <a:extLst>
+              <a:ext uri="{FF2B5EF4-FFF2-40B4-BE49-F238E27FC236}">
+                <a16:creationId xmlns:a16="http://schemas.microsoft.com/office/drawing/2014/main" id="{FACE240D-64B8-462B-B7C0-77B3F609C8CA}"/>
+              </a:ext>
+            </a:extLst>
+          </p:cNvPr>
           <p:cNvSpPr>
             <a:spLocks noGrp="1"/>
           </p:cNvSpPr>
@@ -1624,9 +874,9 @@
           <a:bodyPr/>
           <a:lstStyle/>
           <a:p>
-            <a:fld id="{4097F1C0-AB73-4599-94B3-8B167406BF92}" type="datetimeFigureOut">
+            <a:fld id="{3A70AC66-A815-4559-8182-3A03A5640481}" type="datetimeFigureOut">
               <a:rPr lang="es-CR" smtClean="0"/>
-              <a:t>15/10/2020</a:t>
+              <a:t>23/09/2021</a:t>
             </a:fld>
             <a:endParaRPr lang="es-CR"/>
           </a:p>
@@ -1634,7 +884,13 @@
       </p:sp>
       <p:sp>
         <p:nvSpPr>
-          <p:cNvPr id="5" name="Marcador de pie de página 4"/>
+          <p:cNvPr id="5" name="Marcador de pie de página 4">
+            <a:extLst>
+              <a:ext uri="{FF2B5EF4-FFF2-40B4-BE49-F238E27FC236}">
+                <a16:creationId xmlns:a16="http://schemas.microsoft.com/office/drawing/2014/main" id="{DC640DFC-20AF-40CA-81AD-A00C488EEE9E}"/>
+              </a:ext>
+            </a:extLst>
+          </p:cNvPr>
           <p:cNvSpPr>
             <a:spLocks noGrp="1"/>
           </p:cNvSpPr>
@@ -1653,7 +909,13 @@
       </p:sp>
       <p:sp>
         <p:nvSpPr>
-          <p:cNvPr id="6" name="Marcador de número de diapositiva 5"/>
+          <p:cNvPr id="6" name="Marcador de número de diapositiva 5">
+            <a:extLst>
+              <a:ext uri="{FF2B5EF4-FFF2-40B4-BE49-F238E27FC236}">
+                <a16:creationId xmlns:a16="http://schemas.microsoft.com/office/drawing/2014/main" id="{FF189F2D-9699-4154-888C-8FC93F2F52AB}"/>
+              </a:ext>
+            </a:extLst>
+          </p:cNvPr>
           <p:cNvSpPr>
             <a:spLocks noGrp="1"/>
           </p:cNvSpPr>
@@ -1666,7 +928,7 @@
           <a:bodyPr/>
           <a:lstStyle/>
           <a:p>
-            <a:fld id="{C4DE4BA8-472F-4FDC-AFF2-19F1D080A936}" type="slidenum">
+            <a:fld id="{ECB83ED2-F851-435F-92AB-DD2115C3C395}" type="slidenum">
               <a:rPr lang="es-CR" smtClean="0"/>
               <a:t>‹Nº›</a:t>
             </a:fld>
@@ -1677,7 +939,7 @@
     </p:spTree>
     <p:extLst>
       <p:ext uri="{BB962C8B-B14F-4D97-AF65-F5344CB8AC3E}">
-        <p14:creationId xmlns:p14="http://schemas.microsoft.com/office/powerpoint/2010/main" val="2911096839"/>
+        <p14:creationId xmlns:p14="http://schemas.microsoft.com/office/powerpoint/2010/main" val="4034941375"/>
       </p:ext>
     </p:extLst>
   </p:cSld>
@@ -1706,7 +968,13 @@
       </p:grpSpPr>
       <p:sp>
         <p:nvSpPr>
-          <p:cNvPr id="2" name="Título 1"/>
+          <p:cNvPr id="2" name="Título 1">
+            <a:extLst>
+              <a:ext uri="{FF2B5EF4-FFF2-40B4-BE49-F238E27FC236}">
+                <a16:creationId xmlns:a16="http://schemas.microsoft.com/office/drawing/2014/main" id="{CDB859D6-7523-4036-8BB1-5FA3C65182B5}"/>
+              </a:ext>
+            </a:extLst>
+          </p:cNvPr>
           <p:cNvSpPr>
             <a:spLocks noGrp="1"/>
           </p:cNvSpPr>
@@ -1729,7 +997,7 @@
           </a:lstStyle>
           <a:p>
             <a:r>
-              <a:rPr lang="es-ES" smtClean="0"/>
+              <a:rPr lang="es-ES"/>
               <a:t>Haga clic para modificar el estilo de título del patrón</a:t>
             </a:r>
             <a:endParaRPr lang="es-CR"/>
@@ -1738,7 +1006,13 @@
       </p:sp>
       <p:sp>
         <p:nvSpPr>
-          <p:cNvPr id="3" name="Marcador de texto 2"/>
+          <p:cNvPr id="3" name="Marcador de texto 2">
+            <a:extLst>
+              <a:ext uri="{FF2B5EF4-FFF2-40B4-BE49-F238E27FC236}">
+                <a16:creationId xmlns:a16="http://schemas.microsoft.com/office/drawing/2014/main" id="{C379E9B6-601B-4777-AFFE-212C66A1B1DC}"/>
+              </a:ext>
+            </a:extLst>
+          </p:cNvPr>
           <p:cNvSpPr>
             <a:spLocks noGrp="1"/>
           </p:cNvSpPr>
@@ -1849,15 +1123,21 @@
           <a:p>
             <a:pPr lvl="0"/>
             <a:r>
-              <a:rPr lang="es-ES" smtClean="0"/>
-              <a:t>Editar el estilo de texto del patrón</a:t>
-            </a:r>
-          </a:p>
-        </p:txBody>
-      </p:sp>
-      <p:sp>
-        <p:nvSpPr>
-          <p:cNvPr id="4" name="Marcador de fecha 3"/>
+              <a:rPr lang="es-ES"/>
+              <a:t>Haga clic para modificar los estilos de texto del patrón</a:t>
+            </a:r>
+          </a:p>
+        </p:txBody>
+      </p:sp>
+      <p:sp>
+        <p:nvSpPr>
+          <p:cNvPr id="4" name="Marcador de fecha 3">
+            <a:extLst>
+              <a:ext uri="{FF2B5EF4-FFF2-40B4-BE49-F238E27FC236}">
+                <a16:creationId xmlns:a16="http://schemas.microsoft.com/office/drawing/2014/main" id="{B716B81F-5685-465B-8132-254B0BEEB6BF}"/>
+              </a:ext>
+            </a:extLst>
+          </p:cNvPr>
           <p:cNvSpPr>
             <a:spLocks noGrp="1"/>
           </p:cNvSpPr>
@@ -1870,9 +1150,9 @@
           <a:bodyPr/>
           <a:lstStyle/>
           <a:p>
-            <a:fld id="{4097F1C0-AB73-4599-94B3-8B167406BF92}" type="datetimeFigureOut">
+            <a:fld id="{3A70AC66-A815-4559-8182-3A03A5640481}" type="datetimeFigureOut">
               <a:rPr lang="es-CR" smtClean="0"/>
-              <a:t>15/10/2020</a:t>
+              <a:t>23/09/2021</a:t>
             </a:fld>
             <a:endParaRPr lang="es-CR"/>
           </a:p>
@@ -1880,7 +1160,13 @@
       </p:sp>
       <p:sp>
         <p:nvSpPr>
-          <p:cNvPr id="5" name="Marcador de pie de página 4"/>
+          <p:cNvPr id="5" name="Marcador de pie de página 4">
+            <a:extLst>
+              <a:ext uri="{FF2B5EF4-FFF2-40B4-BE49-F238E27FC236}">
+                <a16:creationId xmlns:a16="http://schemas.microsoft.com/office/drawing/2014/main" id="{C8A67361-38DA-4E02-8679-3801A213D977}"/>
+              </a:ext>
+            </a:extLst>
+          </p:cNvPr>
           <p:cNvSpPr>
             <a:spLocks noGrp="1"/>
           </p:cNvSpPr>
@@ -1899,7 +1185,13 @@
       </p:sp>
       <p:sp>
         <p:nvSpPr>
-          <p:cNvPr id="6" name="Marcador de número de diapositiva 5"/>
+          <p:cNvPr id="6" name="Marcador de número de diapositiva 5">
+            <a:extLst>
+              <a:ext uri="{FF2B5EF4-FFF2-40B4-BE49-F238E27FC236}">
+                <a16:creationId xmlns:a16="http://schemas.microsoft.com/office/drawing/2014/main" id="{05DBED46-B8EF-4660-BE0C-47BC89293DC0}"/>
+              </a:ext>
+            </a:extLst>
+          </p:cNvPr>
           <p:cNvSpPr>
             <a:spLocks noGrp="1"/>
           </p:cNvSpPr>
@@ -1912,7 +1204,7 @@
           <a:bodyPr/>
           <a:lstStyle/>
           <a:p>
-            <a:fld id="{C4DE4BA8-472F-4FDC-AFF2-19F1D080A936}" type="slidenum">
+            <a:fld id="{ECB83ED2-F851-435F-92AB-DD2115C3C395}" type="slidenum">
               <a:rPr lang="es-CR" smtClean="0"/>
               <a:t>‹Nº›</a:t>
             </a:fld>
@@ -1923,7 +1215,7 @@
     </p:spTree>
     <p:extLst>
       <p:ext uri="{BB962C8B-B14F-4D97-AF65-F5344CB8AC3E}">
-        <p14:creationId xmlns:p14="http://schemas.microsoft.com/office/powerpoint/2010/main" val="3183592930"/>
+        <p14:creationId xmlns:p14="http://schemas.microsoft.com/office/powerpoint/2010/main" val="1852549039"/>
       </p:ext>
     </p:extLst>
   </p:cSld>
@@ -1952,7 +1244,13 @@
       </p:grpSpPr>
       <p:sp>
         <p:nvSpPr>
-          <p:cNvPr id="2" name="Título 1"/>
+          <p:cNvPr id="2" name="Título 1">
+            <a:extLst>
+              <a:ext uri="{FF2B5EF4-FFF2-40B4-BE49-F238E27FC236}">
+                <a16:creationId xmlns:a16="http://schemas.microsoft.com/office/drawing/2014/main" id="{ECE00D39-A033-4019-9C62-431C50B753F9}"/>
+              </a:ext>
+            </a:extLst>
+          </p:cNvPr>
           <p:cNvSpPr>
             <a:spLocks noGrp="1"/>
           </p:cNvSpPr>
@@ -1966,7 +1264,7 @@
           <a:lstStyle/>
           <a:p>
             <a:r>
-              <a:rPr lang="es-ES" smtClean="0"/>
+              <a:rPr lang="es-ES"/>
               <a:t>Haga clic para modificar el estilo de título del patrón</a:t>
             </a:r>
             <a:endParaRPr lang="es-CR"/>
@@ -1975,7 +1273,13 @@
       </p:sp>
       <p:sp>
         <p:nvSpPr>
-          <p:cNvPr id="3" name="Marcador de contenido 2"/>
+          <p:cNvPr id="3" name="Marcador de contenido 2">
+            <a:extLst>
+              <a:ext uri="{FF2B5EF4-FFF2-40B4-BE49-F238E27FC236}">
+                <a16:creationId xmlns:a16="http://schemas.microsoft.com/office/drawing/2014/main" id="{44F2E190-F9FD-4055-9914-6524771BA812}"/>
+              </a:ext>
+            </a:extLst>
+          </p:cNvPr>
           <p:cNvSpPr>
             <a:spLocks noGrp="1"/>
           </p:cNvSpPr>
@@ -1995,35 +1299,35 @@
           <a:p>
             <a:pPr lvl="0"/>
             <a:r>
-              <a:rPr lang="es-ES" smtClean="0"/>
-              <a:t>Editar el estilo de texto del patrón</a:t>
+              <a:rPr lang="es-ES"/>
+              <a:t>Haga clic para modificar los estilos de texto del patrón</a:t>
             </a:r>
           </a:p>
           <a:p>
             <a:pPr lvl="1"/>
             <a:r>
-              <a:rPr lang="es-ES" smtClean="0"/>
+              <a:rPr lang="es-ES"/>
               <a:t>Segundo nivel</a:t>
             </a:r>
           </a:p>
           <a:p>
             <a:pPr lvl="2"/>
             <a:r>
-              <a:rPr lang="es-ES" smtClean="0"/>
+              <a:rPr lang="es-ES"/>
               <a:t>Tercer nivel</a:t>
             </a:r>
           </a:p>
           <a:p>
             <a:pPr lvl="3"/>
             <a:r>
-              <a:rPr lang="es-ES" smtClean="0"/>
+              <a:rPr lang="es-ES"/>
               <a:t>Cuarto nivel</a:t>
             </a:r>
           </a:p>
           <a:p>
             <a:pPr lvl="4"/>
             <a:r>
-              <a:rPr lang="es-ES" smtClean="0"/>
+              <a:rPr lang="es-ES"/>
               <a:t>Quinto nivel</a:t>
             </a:r>
             <a:endParaRPr lang="es-CR"/>
@@ -2032,7 +1336,13 @@
       </p:sp>
       <p:sp>
         <p:nvSpPr>
-          <p:cNvPr id="4" name="Marcador de contenido 3"/>
+          <p:cNvPr id="4" name="Marcador de contenido 3">
+            <a:extLst>
+              <a:ext uri="{FF2B5EF4-FFF2-40B4-BE49-F238E27FC236}">
+                <a16:creationId xmlns:a16="http://schemas.microsoft.com/office/drawing/2014/main" id="{89CA59C7-95BC-4D67-9BB1-DA1A8D49214F}"/>
+              </a:ext>
+            </a:extLst>
+          </p:cNvPr>
           <p:cNvSpPr>
             <a:spLocks noGrp="1"/>
           </p:cNvSpPr>
@@ -2052,35 +1362,35 @@
           <a:p>
             <a:pPr lvl="0"/>
             <a:r>
-              <a:rPr lang="es-ES" smtClean="0"/>
-              <a:t>Editar el estilo de texto del patrón</a:t>
+              <a:rPr lang="es-ES"/>
+              <a:t>Haga clic para modificar los estilos de texto del patrón</a:t>
             </a:r>
           </a:p>
           <a:p>
             <a:pPr lvl="1"/>
             <a:r>
-              <a:rPr lang="es-ES" smtClean="0"/>
+              <a:rPr lang="es-ES"/>
               <a:t>Segundo nivel</a:t>
             </a:r>
           </a:p>
           <a:p>
             <a:pPr lvl="2"/>
             <a:r>
-              <a:rPr lang="es-ES" smtClean="0"/>
+              <a:rPr lang="es-ES"/>
               <a:t>Tercer nivel</a:t>
             </a:r>
           </a:p>
           <a:p>
             <a:pPr lvl="3"/>
             <a:r>
-              <a:rPr lang="es-ES" smtClean="0"/>
+              <a:rPr lang="es-ES"/>
               <a:t>Cuarto nivel</a:t>
             </a:r>
           </a:p>
           <a:p>
             <a:pPr lvl="4"/>
             <a:r>
-              <a:rPr lang="es-ES" smtClean="0"/>
+              <a:rPr lang="es-ES"/>
               <a:t>Quinto nivel</a:t>
             </a:r>
             <a:endParaRPr lang="es-CR"/>
@@ -2089,7 +1399,13 @@
       </p:sp>
       <p:sp>
         <p:nvSpPr>
-          <p:cNvPr id="5" name="Marcador de fecha 4"/>
+          <p:cNvPr id="5" name="Marcador de fecha 4">
+            <a:extLst>
+              <a:ext uri="{FF2B5EF4-FFF2-40B4-BE49-F238E27FC236}">
+                <a16:creationId xmlns:a16="http://schemas.microsoft.com/office/drawing/2014/main" id="{03155EAD-C531-440E-88F2-223A27EF7010}"/>
+              </a:ext>
+            </a:extLst>
+          </p:cNvPr>
           <p:cNvSpPr>
             <a:spLocks noGrp="1"/>
           </p:cNvSpPr>
@@ -2102,9 +1418,9 @@
           <a:bodyPr/>
           <a:lstStyle/>
           <a:p>
-            <a:fld id="{4097F1C0-AB73-4599-94B3-8B167406BF92}" type="datetimeFigureOut">
+            <a:fld id="{3A70AC66-A815-4559-8182-3A03A5640481}" type="datetimeFigureOut">
               <a:rPr lang="es-CR" smtClean="0"/>
-              <a:t>15/10/2020</a:t>
+              <a:t>23/09/2021</a:t>
             </a:fld>
             <a:endParaRPr lang="es-CR"/>
           </a:p>
@@ -2112,7 +1428,13 @@
       </p:sp>
       <p:sp>
         <p:nvSpPr>
-          <p:cNvPr id="6" name="Marcador de pie de página 5"/>
+          <p:cNvPr id="6" name="Marcador de pie de página 5">
+            <a:extLst>
+              <a:ext uri="{FF2B5EF4-FFF2-40B4-BE49-F238E27FC236}">
+                <a16:creationId xmlns:a16="http://schemas.microsoft.com/office/drawing/2014/main" id="{692614C1-12E4-4AD2-9EC6-9629EC9B4367}"/>
+              </a:ext>
+            </a:extLst>
+          </p:cNvPr>
           <p:cNvSpPr>
             <a:spLocks noGrp="1"/>
           </p:cNvSpPr>
@@ -2131,7 +1453,13 @@
       </p:sp>
       <p:sp>
         <p:nvSpPr>
-          <p:cNvPr id="7" name="Marcador de número de diapositiva 6"/>
+          <p:cNvPr id="7" name="Marcador de número de diapositiva 6">
+            <a:extLst>
+              <a:ext uri="{FF2B5EF4-FFF2-40B4-BE49-F238E27FC236}">
+                <a16:creationId xmlns:a16="http://schemas.microsoft.com/office/drawing/2014/main" id="{912F767A-108E-47FC-940C-770FE1233CE0}"/>
+              </a:ext>
+            </a:extLst>
+          </p:cNvPr>
           <p:cNvSpPr>
             <a:spLocks noGrp="1"/>
           </p:cNvSpPr>
@@ -2144,7 +1472,7 @@
           <a:bodyPr/>
           <a:lstStyle/>
           <a:p>
-            <a:fld id="{C4DE4BA8-472F-4FDC-AFF2-19F1D080A936}" type="slidenum">
+            <a:fld id="{ECB83ED2-F851-435F-92AB-DD2115C3C395}" type="slidenum">
               <a:rPr lang="es-CR" smtClean="0"/>
               <a:t>‹Nº›</a:t>
             </a:fld>
@@ -2155,7 +1483,7 @@
     </p:spTree>
     <p:extLst>
       <p:ext uri="{BB962C8B-B14F-4D97-AF65-F5344CB8AC3E}">
-        <p14:creationId xmlns:p14="http://schemas.microsoft.com/office/powerpoint/2010/main" val="3808406712"/>
+        <p14:creationId xmlns:p14="http://schemas.microsoft.com/office/powerpoint/2010/main" val="1583416878"/>
       </p:ext>
     </p:extLst>
   </p:cSld>
@@ -2184,7 +1512,13 @@
       </p:grpSpPr>
       <p:sp>
         <p:nvSpPr>
-          <p:cNvPr id="2" name="Título 1"/>
+          <p:cNvPr id="2" name="Título 1">
+            <a:extLst>
+              <a:ext uri="{FF2B5EF4-FFF2-40B4-BE49-F238E27FC236}">
+                <a16:creationId xmlns:a16="http://schemas.microsoft.com/office/drawing/2014/main" id="{0D64AD47-A3BB-417B-AA36-28669525AA50}"/>
+              </a:ext>
+            </a:extLst>
+          </p:cNvPr>
           <p:cNvSpPr>
             <a:spLocks noGrp="1"/>
           </p:cNvSpPr>
@@ -2203,7 +1537,7 @@
           <a:lstStyle/>
           <a:p>
             <a:r>
-              <a:rPr lang="es-ES" smtClean="0"/>
+              <a:rPr lang="es-ES"/>
               <a:t>Haga clic para modificar el estilo de título del patrón</a:t>
             </a:r>
             <a:endParaRPr lang="es-CR"/>
@@ -2212,7 +1546,13 @@
       </p:sp>
       <p:sp>
         <p:nvSpPr>
-          <p:cNvPr id="3" name="Marcador de texto 2"/>
+          <p:cNvPr id="3" name="Marcador de texto 2">
+            <a:extLst>
+              <a:ext uri="{FF2B5EF4-FFF2-40B4-BE49-F238E27FC236}">
+                <a16:creationId xmlns:a16="http://schemas.microsoft.com/office/drawing/2014/main" id="{F93E8E01-B762-4E20-A30B-A399BD89A11E}"/>
+              </a:ext>
+            </a:extLst>
+          </p:cNvPr>
           <p:cNvSpPr>
             <a:spLocks noGrp="1"/>
           </p:cNvSpPr>
@@ -2269,15 +1609,21 @@
           <a:p>
             <a:pPr lvl="0"/>
             <a:r>
-              <a:rPr lang="es-ES" smtClean="0"/>
-              <a:t>Editar el estilo de texto del patrón</a:t>
-            </a:r>
-          </a:p>
-        </p:txBody>
-      </p:sp>
-      <p:sp>
-        <p:nvSpPr>
-          <p:cNvPr id="4" name="Marcador de contenido 3"/>
+              <a:rPr lang="es-ES"/>
+              <a:t>Haga clic para modificar los estilos de texto del patrón</a:t>
+            </a:r>
+          </a:p>
+        </p:txBody>
+      </p:sp>
+      <p:sp>
+        <p:nvSpPr>
+          <p:cNvPr id="4" name="Marcador de contenido 3">
+            <a:extLst>
+              <a:ext uri="{FF2B5EF4-FFF2-40B4-BE49-F238E27FC236}">
+                <a16:creationId xmlns:a16="http://schemas.microsoft.com/office/drawing/2014/main" id="{BDDE042B-4EC9-45AB-AE28-2799876B7689}"/>
+              </a:ext>
+            </a:extLst>
+          </p:cNvPr>
           <p:cNvSpPr>
             <a:spLocks noGrp="1"/>
           </p:cNvSpPr>
@@ -2297,35 +1643,35 @@
           <a:p>
             <a:pPr lvl="0"/>
             <a:r>
-              <a:rPr lang="es-ES" smtClean="0"/>
-              <a:t>Editar el estilo de texto del patrón</a:t>
+              <a:rPr lang="es-ES"/>
+              <a:t>Haga clic para modificar los estilos de texto del patrón</a:t>
             </a:r>
           </a:p>
           <a:p>
             <a:pPr lvl="1"/>
             <a:r>
-              <a:rPr lang="es-ES" smtClean="0"/>
+              <a:rPr lang="es-ES"/>
               <a:t>Segundo nivel</a:t>
             </a:r>
           </a:p>
           <a:p>
             <a:pPr lvl="2"/>
             <a:r>
-              <a:rPr lang="es-ES" smtClean="0"/>
+              <a:rPr lang="es-ES"/>
               <a:t>Tercer nivel</a:t>
             </a:r>
           </a:p>
           <a:p>
             <a:pPr lvl="3"/>
             <a:r>
-              <a:rPr lang="es-ES" smtClean="0"/>
+              <a:rPr lang="es-ES"/>
               <a:t>Cuarto nivel</a:t>
             </a:r>
           </a:p>
           <a:p>
             <a:pPr lvl="4"/>
             <a:r>
-              <a:rPr lang="es-ES" smtClean="0"/>
+              <a:rPr lang="es-ES"/>
               <a:t>Quinto nivel</a:t>
             </a:r>
             <a:endParaRPr lang="es-CR"/>
@@ -2334,7 +1680,13 @@
       </p:sp>
       <p:sp>
         <p:nvSpPr>
-          <p:cNvPr id="5" name="Marcador de texto 4"/>
+          <p:cNvPr id="5" name="Marcador de texto 4">
+            <a:extLst>
+              <a:ext uri="{FF2B5EF4-FFF2-40B4-BE49-F238E27FC236}">
+                <a16:creationId xmlns:a16="http://schemas.microsoft.com/office/drawing/2014/main" id="{C0717BE0-DF52-4BD4-82BA-1072EC63A649}"/>
+              </a:ext>
+            </a:extLst>
+          </p:cNvPr>
           <p:cNvSpPr>
             <a:spLocks noGrp="1"/>
           </p:cNvSpPr>
@@ -2391,15 +1743,21 @@
           <a:p>
             <a:pPr lvl="0"/>
             <a:r>
-              <a:rPr lang="es-ES" smtClean="0"/>
-              <a:t>Editar el estilo de texto del patrón</a:t>
-            </a:r>
-          </a:p>
-        </p:txBody>
-      </p:sp>
-      <p:sp>
-        <p:nvSpPr>
-          <p:cNvPr id="6" name="Marcador de contenido 5"/>
+              <a:rPr lang="es-ES"/>
+              <a:t>Haga clic para modificar los estilos de texto del patrón</a:t>
+            </a:r>
+          </a:p>
+        </p:txBody>
+      </p:sp>
+      <p:sp>
+        <p:nvSpPr>
+          <p:cNvPr id="6" name="Marcador de contenido 5">
+            <a:extLst>
+              <a:ext uri="{FF2B5EF4-FFF2-40B4-BE49-F238E27FC236}">
+                <a16:creationId xmlns:a16="http://schemas.microsoft.com/office/drawing/2014/main" id="{36B2180F-9A3C-4F93-80DA-BE9C00C5F33B}"/>
+              </a:ext>
+            </a:extLst>
+          </p:cNvPr>
           <p:cNvSpPr>
             <a:spLocks noGrp="1"/>
           </p:cNvSpPr>
@@ -2419,35 +1777,35 @@
           <a:p>
             <a:pPr lvl="0"/>
             <a:r>
-              <a:rPr lang="es-ES" smtClean="0"/>
-              <a:t>Editar el estilo de texto del patrón</a:t>
+              <a:rPr lang="es-ES"/>
+              <a:t>Haga clic para modificar los estilos de texto del patrón</a:t>
             </a:r>
           </a:p>
           <a:p>
             <a:pPr lvl="1"/>
             <a:r>
-              <a:rPr lang="es-ES" smtClean="0"/>
+              <a:rPr lang="es-ES"/>
               <a:t>Segundo nivel</a:t>
             </a:r>
           </a:p>
           <a:p>
             <a:pPr lvl="2"/>
             <a:r>
-              <a:rPr lang="es-ES" smtClean="0"/>
+              <a:rPr lang="es-ES"/>
               <a:t>Tercer nivel</a:t>
             </a:r>
           </a:p>
           <a:p>
             <a:pPr lvl="3"/>
             <a:r>
-              <a:rPr lang="es-ES" smtClean="0"/>
+              <a:rPr lang="es-ES"/>
               <a:t>Cuarto nivel</a:t>
             </a:r>
           </a:p>
           <a:p>
             <a:pPr lvl="4"/>
             <a:r>
-              <a:rPr lang="es-ES" smtClean="0"/>
+              <a:rPr lang="es-ES"/>
               <a:t>Quinto nivel</a:t>
             </a:r>
             <a:endParaRPr lang="es-CR"/>
@@ -2456,7 +1814,13 @@
       </p:sp>
       <p:sp>
         <p:nvSpPr>
-          <p:cNvPr id="7" name="Marcador de fecha 6"/>
+          <p:cNvPr id="7" name="Marcador de fecha 6">
+            <a:extLst>
+              <a:ext uri="{FF2B5EF4-FFF2-40B4-BE49-F238E27FC236}">
+                <a16:creationId xmlns:a16="http://schemas.microsoft.com/office/drawing/2014/main" id="{7E33B39D-E1E3-444E-A1F9-381792ECA576}"/>
+              </a:ext>
+            </a:extLst>
+          </p:cNvPr>
           <p:cNvSpPr>
             <a:spLocks noGrp="1"/>
           </p:cNvSpPr>
@@ -2469,9 +1833,9 @@
           <a:bodyPr/>
           <a:lstStyle/>
           <a:p>
-            <a:fld id="{4097F1C0-AB73-4599-94B3-8B167406BF92}" type="datetimeFigureOut">
+            <a:fld id="{3A70AC66-A815-4559-8182-3A03A5640481}" type="datetimeFigureOut">
               <a:rPr lang="es-CR" smtClean="0"/>
-              <a:t>15/10/2020</a:t>
+              <a:t>23/09/2021</a:t>
             </a:fld>
             <a:endParaRPr lang="es-CR"/>
           </a:p>
@@ -2479,7 +1843,13 @@
       </p:sp>
       <p:sp>
         <p:nvSpPr>
-          <p:cNvPr id="8" name="Marcador de pie de página 7"/>
+          <p:cNvPr id="8" name="Marcador de pie de página 7">
+            <a:extLst>
+              <a:ext uri="{FF2B5EF4-FFF2-40B4-BE49-F238E27FC236}">
+                <a16:creationId xmlns:a16="http://schemas.microsoft.com/office/drawing/2014/main" id="{F2FA5681-06DE-46C4-897A-6C4CA6CE5F67}"/>
+              </a:ext>
+            </a:extLst>
+          </p:cNvPr>
           <p:cNvSpPr>
             <a:spLocks noGrp="1"/>
           </p:cNvSpPr>
@@ -2498,7 +1868,13 @@
       </p:sp>
       <p:sp>
         <p:nvSpPr>
-          <p:cNvPr id="9" name="Marcador de número de diapositiva 8"/>
+          <p:cNvPr id="9" name="Marcador de número de diapositiva 8">
+            <a:extLst>
+              <a:ext uri="{FF2B5EF4-FFF2-40B4-BE49-F238E27FC236}">
+                <a16:creationId xmlns:a16="http://schemas.microsoft.com/office/drawing/2014/main" id="{EF382624-C6AA-402D-9823-4AD09AECD9F6}"/>
+              </a:ext>
+            </a:extLst>
+          </p:cNvPr>
           <p:cNvSpPr>
             <a:spLocks noGrp="1"/>
           </p:cNvSpPr>
@@ -2511,7 +1887,7 @@
           <a:bodyPr/>
           <a:lstStyle/>
           <a:p>
-            <a:fld id="{C4DE4BA8-472F-4FDC-AFF2-19F1D080A936}" type="slidenum">
+            <a:fld id="{ECB83ED2-F851-435F-92AB-DD2115C3C395}" type="slidenum">
               <a:rPr lang="es-CR" smtClean="0"/>
               <a:t>‹Nº›</a:t>
             </a:fld>
@@ -2522,7 +1898,7 @@
     </p:spTree>
     <p:extLst>
       <p:ext uri="{BB962C8B-B14F-4D97-AF65-F5344CB8AC3E}">
-        <p14:creationId xmlns:p14="http://schemas.microsoft.com/office/powerpoint/2010/main" val="975145795"/>
+        <p14:creationId xmlns:p14="http://schemas.microsoft.com/office/powerpoint/2010/main" val="2306056204"/>
       </p:ext>
     </p:extLst>
   </p:cSld>
@@ -2551,7 +1927,13 @@
       </p:grpSpPr>
       <p:sp>
         <p:nvSpPr>
-          <p:cNvPr id="2" name="Título 1"/>
+          <p:cNvPr id="2" name="Título 1">
+            <a:extLst>
+              <a:ext uri="{FF2B5EF4-FFF2-40B4-BE49-F238E27FC236}">
+                <a16:creationId xmlns:a16="http://schemas.microsoft.com/office/drawing/2014/main" id="{78F3FB5C-F152-46ED-9D24-7E98CA7CB0B6}"/>
+              </a:ext>
+            </a:extLst>
+          </p:cNvPr>
           <p:cNvSpPr>
             <a:spLocks noGrp="1"/>
           </p:cNvSpPr>
@@ -2565,7 +1947,7 @@
           <a:lstStyle/>
           <a:p>
             <a:r>
-              <a:rPr lang="es-ES" smtClean="0"/>
+              <a:rPr lang="es-ES"/>
               <a:t>Haga clic para modificar el estilo de título del patrón</a:t>
             </a:r>
             <a:endParaRPr lang="es-CR"/>
@@ -2574,7 +1956,13 @@
       </p:sp>
       <p:sp>
         <p:nvSpPr>
-          <p:cNvPr id="3" name="Marcador de fecha 2"/>
+          <p:cNvPr id="3" name="Marcador de fecha 2">
+            <a:extLst>
+              <a:ext uri="{FF2B5EF4-FFF2-40B4-BE49-F238E27FC236}">
+                <a16:creationId xmlns:a16="http://schemas.microsoft.com/office/drawing/2014/main" id="{EDA14727-ABFF-4AF7-86D6-AC984B60BCAB}"/>
+              </a:ext>
+            </a:extLst>
+          </p:cNvPr>
           <p:cNvSpPr>
             <a:spLocks noGrp="1"/>
           </p:cNvSpPr>
@@ -2587,9 +1975,9 @@
           <a:bodyPr/>
           <a:lstStyle/>
           <a:p>
-            <a:fld id="{4097F1C0-AB73-4599-94B3-8B167406BF92}" type="datetimeFigureOut">
+            <a:fld id="{3A70AC66-A815-4559-8182-3A03A5640481}" type="datetimeFigureOut">
               <a:rPr lang="es-CR" smtClean="0"/>
-              <a:t>15/10/2020</a:t>
+              <a:t>23/09/2021</a:t>
             </a:fld>
             <a:endParaRPr lang="es-CR"/>
           </a:p>
@@ -2597,7 +1985,13 @@
       </p:sp>
       <p:sp>
         <p:nvSpPr>
-          <p:cNvPr id="4" name="Marcador de pie de página 3"/>
+          <p:cNvPr id="4" name="Marcador de pie de página 3">
+            <a:extLst>
+              <a:ext uri="{FF2B5EF4-FFF2-40B4-BE49-F238E27FC236}">
+                <a16:creationId xmlns:a16="http://schemas.microsoft.com/office/drawing/2014/main" id="{84B4431D-2C16-4722-8F42-3B610D5A2D16}"/>
+              </a:ext>
+            </a:extLst>
+          </p:cNvPr>
           <p:cNvSpPr>
             <a:spLocks noGrp="1"/>
           </p:cNvSpPr>
@@ -2616,7 +2010,13 @@
       </p:sp>
       <p:sp>
         <p:nvSpPr>
-          <p:cNvPr id="5" name="Marcador de número de diapositiva 4"/>
+          <p:cNvPr id="5" name="Marcador de número de diapositiva 4">
+            <a:extLst>
+              <a:ext uri="{FF2B5EF4-FFF2-40B4-BE49-F238E27FC236}">
+                <a16:creationId xmlns:a16="http://schemas.microsoft.com/office/drawing/2014/main" id="{595C1BA9-4305-4608-A0A1-460A71F112E6}"/>
+              </a:ext>
+            </a:extLst>
+          </p:cNvPr>
           <p:cNvSpPr>
             <a:spLocks noGrp="1"/>
           </p:cNvSpPr>
@@ -2629,7 +2029,7 @@
           <a:bodyPr/>
           <a:lstStyle/>
           <a:p>
-            <a:fld id="{C4DE4BA8-472F-4FDC-AFF2-19F1D080A936}" type="slidenum">
+            <a:fld id="{ECB83ED2-F851-435F-92AB-DD2115C3C395}" type="slidenum">
               <a:rPr lang="es-CR" smtClean="0"/>
               <a:t>‹Nº›</a:t>
             </a:fld>
@@ -2640,7 +2040,7 @@
     </p:spTree>
     <p:extLst>
       <p:ext uri="{BB962C8B-B14F-4D97-AF65-F5344CB8AC3E}">
-        <p14:creationId xmlns:p14="http://schemas.microsoft.com/office/powerpoint/2010/main" val="3161791341"/>
+        <p14:creationId xmlns:p14="http://schemas.microsoft.com/office/powerpoint/2010/main" val="195191925"/>
       </p:ext>
     </p:extLst>
   </p:cSld>
@@ -2669,7 +2069,13 @@
       </p:grpSpPr>
       <p:sp>
         <p:nvSpPr>
-          <p:cNvPr id="2" name="Marcador de fecha 1"/>
+          <p:cNvPr id="2" name="Marcador de fecha 1">
+            <a:extLst>
+              <a:ext uri="{FF2B5EF4-FFF2-40B4-BE49-F238E27FC236}">
+                <a16:creationId xmlns:a16="http://schemas.microsoft.com/office/drawing/2014/main" id="{22062A17-227C-420E-A467-3E808E9F0103}"/>
+              </a:ext>
+            </a:extLst>
+          </p:cNvPr>
           <p:cNvSpPr>
             <a:spLocks noGrp="1"/>
           </p:cNvSpPr>
@@ -2682,9 +2088,9 @@
           <a:bodyPr/>
           <a:lstStyle/>
           <a:p>
-            <a:fld id="{4097F1C0-AB73-4599-94B3-8B167406BF92}" type="datetimeFigureOut">
+            <a:fld id="{3A70AC66-A815-4559-8182-3A03A5640481}" type="datetimeFigureOut">
               <a:rPr lang="es-CR" smtClean="0"/>
-              <a:t>15/10/2020</a:t>
+              <a:t>23/09/2021</a:t>
             </a:fld>
             <a:endParaRPr lang="es-CR"/>
           </a:p>
@@ -2692,7 +2098,13 @@
       </p:sp>
       <p:sp>
         <p:nvSpPr>
-          <p:cNvPr id="3" name="Marcador de pie de página 2"/>
+          <p:cNvPr id="3" name="Marcador de pie de página 2">
+            <a:extLst>
+              <a:ext uri="{FF2B5EF4-FFF2-40B4-BE49-F238E27FC236}">
+                <a16:creationId xmlns:a16="http://schemas.microsoft.com/office/drawing/2014/main" id="{AA2FB588-3F95-4512-B4F1-34D1F54BB871}"/>
+              </a:ext>
+            </a:extLst>
+          </p:cNvPr>
           <p:cNvSpPr>
             <a:spLocks noGrp="1"/>
           </p:cNvSpPr>
@@ -2711,7 +2123,13 @@
       </p:sp>
       <p:sp>
         <p:nvSpPr>
-          <p:cNvPr id="4" name="Marcador de número de diapositiva 3"/>
+          <p:cNvPr id="4" name="Marcador de número de diapositiva 3">
+            <a:extLst>
+              <a:ext uri="{FF2B5EF4-FFF2-40B4-BE49-F238E27FC236}">
+                <a16:creationId xmlns:a16="http://schemas.microsoft.com/office/drawing/2014/main" id="{3FF6C938-869D-4EED-8BD3-F75DEF6FABEA}"/>
+              </a:ext>
+            </a:extLst>
+          </p:cNvPr>
           <p:cNvSpPr>
             <a:spLocks noGrp="1"/>
           </p:cNvSpPr>
@@ -2724,7 +2142,7 @@
           <a:bodyPr/>
           <a:lstStyle/>
           <a:p>
-            <a:fld id="{C4DE4BA8-472F-4FDC-AFF2-19F1D080A936}" type="slidenum">
+            <a:fld id="{ECB83ED2-F851-435F-92AB-DD2115C3C395}" type="slidenum">
               <a:rPr lang="es-CR" smtClean="0"/>
               <a:t>‹Nº›</a:t>
             </a:fld>
@@ -2735,7 +2153,7 @@
     </p:spTree>
     <p:extLst>
       <p:ext uri="{BB962C8B-B14F-4D97-AF65-F5344CB8AC3E}">
-        <p14:creationId xmlns:p14="http://schemas.microsoft.com/office/powerpoint/2010/main" val="50411179"/>
+        <p14:creationId xmlns:p14="http://schemas.microsoft.com/office/powerpoint/2010/main" val="1962886287"/>
       </p:ext>
     </p:extLst>
   </p:cSld>
@@ -2764,7 +2182,13 @@
       </p:grpSpPr>
       <p:sp>
         <p:nvSpPr>
-          <p:cNvPr id="2" name="Título 1"/>
+          <p:cNvPr id="2" name="Título 1">
+            <a:extLst>
+              <a:ext uri="{FF2B5EF4-FFF2-40B4-BE49-F238E27FC236}">
+                <a16:creationId xmlns:a16="http://schemas.microsoft.com/office/drawing/2014/main" id="{5EEEF9BB-EB04-425C-9B25-DC354264710D}"/>
+              </a:ext>
+            </a:extLst>
+          </p:cNvPr>
           <p:cNvSpPr>
             <a:spLocks noGrp="1"/>
           </p:cNvSpPr>
@@ -2787,7 +2211,7 @@
           </a:lstStyle>
           <a:p>
             <a:r>
-              <a:rPr lang="es-ES" smtClean="0"/>
+              <a:rPr lang="es-ES"/>
               <a:t>Haga clic para modificar el estilo de título del patrón</a:t>
             </a:r>
             <a:endParaRPr lang="es-CR"/>
@@ -2796,7 +2220,13 @@
       </p:sp>
       <p:sp>
         <p:nvSpPr>
-          <p:cNvPr id="3" name="Marcador de contenido 2"/>
+          <p:cNvPr id="3" name="Marcador de contenido 2">
+            <a:extLst>
+              <a:ext uri="{FF2B5EF4-FFF2-40B4-BE49-F238E27FC236}">
+                <a16:creationId xmlns:a16="http://schemas.microsoft.com/office/drawing/2014/main" id="{8C1032DF-BC32-4073-A137-792C37BF06B1}"/>
+              </a:ext>
+            </a:extLst>
+          </p:cNvPr>
           <p:cNvSpPr>
             <a:spLocks noGrp="1"/>
           </p:cNvSpPr>
@@ -2844,35 +2274,35 @@
           <a:p>
             <a:pPr lvl="0"/>
             <a:r>
-              <a:rPr lang="es-ES" smtClean="0"/>
-              <a:t>Editar el estilo de texto del patrón</a:t>
+              <a:rPr lang="es-ES"/>
+              <a:t>Haga clic para modificar los estilos de texto del patrón</a:t>
             </a:r>
           </a:p>
           <a:p>
             <a:pPr lvl="1"/>
             <a:r>
-              <a:rPr lang="es-ES" smtClean="0"/>
+              <a:rPr lang="es-ES"/>
               <a:t>Segundo nivel</a:t>
             </a:r>
           </a:p>
           <a:p>
             <a:pPr lvl="2"/>
             <a:r>
-              <a:rPr lang="es-ES" smtClean="0"/>
+              <a:rPr lang="es-ES"/>
               <a:t>Tercer nivel</a:t>
             </a:r>
           </a:p>
           <a:p>
             <a:pPr lvl="3"/>
             <a:r>
-              <a:rPr lang="es-ES" smtClean="0"/>
+              <a:rPr lang="es-ES"/>
               <a:t>Cuarto nivel</a:t>
             </a:r>
           </a:p>
           <a:p>
             <a:pPr lvl="4"/>
             <a:r>
-              <a:rPr lang="es-ES" smtClean="0"/>
+              <a:rPr lang="es-ES"/>
               <a:t>Quinto nivel</a:t>
             </a:r>
             <a:endParaRPr lang="es-CR"/>
@@ -2881,7 +2311,13 @@
       </p:sp>
       <p:sp>
         <p:nvSpPr>
-          <p:cNvPr id="4" name="Marcador de texto 3"/>
+          <p:cNvPr id="4" name="Marcador de texto 3">
+            <a:extLst>
+              <a:ext uri="{FF2B5EF4-FFF2-40B4-BE49-F238E27FC236}">
+                <a16:creationId xmlns:a16="http://schemas.microsoft.com/office/drawing/2014/main" id="{6D1C913A-F852-4540-AEA8-622EF76B0E61}"/>
+              </a:ext>
+            </a:extLst>
+          </p:cNvPr>
           <p:cNvSpPr>
             <a:spLocks noGrp="1"/>
           </p:cNvSpPr>
@@ -2938,15 +2374,21 @@
           <a:p>
             <a:pPr lvl="0"/>
             <a:r>
-              <a:rPr lang="es-ES" smtClean="0"/>
-              <a:t>Editar el estilo de texto del patrón</a:t>
-            </a:r>
-          </a:p>
-        </p:txBody>
-      </p:sp>
-      <p:sp>
-        <p:nvSpPr>
-          <p:cNvPr id="5" name="Marcador de fecha 4"/>
+              <a:rPr lang="es-ES"/>
+              <a:t>Haga clic para modificar los estilos de texto del patrón</a:t>
+            </a:r>
+          </a:p>
+        </p:txBody>
+      </p:sp>
+      <p:sp>
+        <p:nvSpPr>
+          <p:cNvPr id="5" name="Marcador de fecha 4">
+            <a:extLst>
+              <a:ext uri="{FF2B5EF4-FFF2-40B4-BE49-F238E27FC236}">
+                <a16:creationId xmlns:a16="http://schemas.microsoft.com/office/drawing/2014/main" id="{089B9084-D408-43E6-AB85-F4820EF2FF2F}"/>
+              </a:ext>
+            </a:extLst>
+          </p:cNvPr>
           <p:cNvSpPr>
             <a:spLocks noGrp="1"/>
           </p:cNvSpPr>
@@ -2959,9 +2401,9 @@
           <a:bodyPr/>
           <a:lstStyle/>
           <a:p>
-            <a:fld id="{4097F1C0-AB73-4599-94B3-8B167406BF92}" type="datetimeFigureOut">
+            <a:fld id="{3A70AC66-A815-4559-8182-3A03A5640481}" type="datetimeFigureOut">
               <a:rPr lang="es-CR" smtClean="0"/>
-              <a:t>15/10/2020</a:t>
+              <a:t>23/09/2021</a:t>
             </a:fld>
             <a:endParaRPr lang="es-CR"/>
           </a:p>
@@ -2969,7 +2411,13 @@
       </p:sp>
       <p:sp>
         <p:nvSpPr>
-          <p:cNvPr id="6" name="Marcador de pie de página 5"/>
+          <p:cNvPr id="6" name="Marcador de pie de página 5">
+            <a:extLst>
+              <a:ext uri="{FF2B5EF4-FFF2-40B4-BE49-F238E27FC236}">
+                <a16:creationId xmlns:a16="http://schemas.microsoft.com/office/drawing/2014/main" id="{B95C5A40-0599-486F-A79B-A745886501D8}"/>
+              </a:ext>
+            </a:extLst>
+          </p:cNvPr>
           <p:cNvSpPr>
             <a:spLocks noGrp="1"/>
           </p:cNvSpPr>
@@ -2988,7 +2436,13 @@
       </p:sp>
       <p:sp>
         <p:nvSpPr>
-          <p:cNvPr id="7" name="Marcador de número de diapositiva 6"/>
+          <p:cNvPr id="7" name="Marcador de número de diapositiva 6">
+            <a:extLst>
+              <a:ext uri="{FF2B5EF4-FFF2-40B4-BE49-F238E27FC236}">
+                <a16:creationId xmlns:a16="http://schemas.microsoft.com/office/drawing/2014/main" id="{7C93EC50-3D05-4BD7-82FD-4EEC4085B2E9}"/>
+              </a:ext>
+            </a:extLst>
+          </p:cNvPr>
           <p:cNvSpPr>
             <a:spLocks noGrp="1"/>
           </p:cNvSpPr>
@@ -3001,7 +2455,7 @@
           <a:bodyPr/>
           <a:lstStyle/>
           <a:p>
-            <a:fld id="{C4DE4BA8-472F-4FDC-AFF2-19F1D080A936}" type="slidenum">
+            <a:fld id="{ECB83ED2-F851-435F-92AB-DD2115C3C395}" type="slidenum">
               <a:rPr lang="es-CR" smtClean="0"/>
               <a:t>‹Nº›</a:t>
             </a:fld>
@@ -3012,7 +2466,7 @@
     </p:spTree>
     <p:extLst>
       <p:ext uri="{BB962C8B-B14F-4D97-AF65-F5344CB8AC3E}">
-        <p14:creationId xmlns:p14="http://schemas.microsoft.com/office/powerpoint/2010/main" val="1213837972"/>
+        <p14:creationId xmlns:p14="http://schemas.microsoft.com/office/powerpoint/2010/main" val="2127705745"/>
       </p:ext>
     </p:extLst>
   </p:cSld>
@@ -3041,7 +2495,13 @@
       </p:grpSpPr>
       <p:sp>
         <p:nvSpPr>
-          <p:cNvPr id="2" name="Título 1"/>
+          <p:cNvPr id="2" name="Título 1">
+            <a:extLst>
+              <a:ext uri="{FF2B5EF4-FFF2-40B4-BE49-F238E27FC236}">
+                <a16:creationId xmlns:a16="http://schemas.microsoft.com/office/drawing/2014/main" id="{0AE57806-B3C7-4824-ACF3-4EE761D3A188}"/>
+              </a:ext>
+            </a:extLst>
+          </p:cNvPr>
           <p:cNvSpPr>
             <a:spLocks noGrp="1"/>
           </p:cNvSpPr>
@@ -3064,7 +2524,7 @@
           </a:lstStyle>
           <a:p>
             <a:r>
-              <a:rPr lang="es-ES" smtClean="0"/>
+              <a:rPr lang="es-ES"/>
               <a:t>Haga clic para modificar el estilo de título del patrón</a:t>
             </a:r>
             <a:endParaRPr lang="es-CR"/>
@@ -3073,7 +2533,13 @@
       </p:sp>
       <p:sp>
         <p:nvSpPr>
-          <p:cNvPr id="3" name="Marcador de posición de imagen 2"/>
+          <p:cNvPr id="3" name="Marcador de posición de imagen 2">
+            <a:extLst>
+              <a:ext uri="{FF2B5EF4-FFF2-40B4-BE49-F238E27FC236}">
+                <a16:creationId xmlns:a16="http://schemas.microsoft.com/office/drawing/2014/main" id="{02CBA7EE-4E7C-4699-ACA6-EE194ED9D8EF}"/>
+              </a:ext>
+            </a:extLst>
+          </p:cNvPr>
           <p:cNvSpPr>
             <a:spLocks noGrp="1"/>
           </p:cNvSpPr>
@@ -3134,7 +2600,13 @@
       </p:sp>
       <p:sp>
         <p:nvSpPr>
-          <p:cNvPr id="4" name="Marcador de texto 3"/>
+          <p:cNvPr id="4" name="Marcador de texto 3">
+            <a:extLst>
+              <a:ext uri="{FF2B5EF4-FFF2-40B4-BE49-F238E27FC236}">
+                <a16:creationId xmlns:a16="http://schemas.microsoft.com/office/drawing/2014/main" id="{52BCF63B-24CB-4F75-9EA9-C3535DAEFCF7}"/>
+              </a:ext>
+            </a:extLst>
+          </p:cNvPr>
           <p:cNvSpPr>
             <a:spLocks noGrp="1"/>
           </p:cNvSpPr>
@@ -3191,15 +2663,21 @@
           <a:p>
             <a:pPr lvl="0"/>
             <a:r>
-              <a:rPr lang="es-ES" smtClean="0"/>
-              <a:t>Editar el estilo de texto del patrón</a:t>
-            </a:r>
-          </a:p>
-        </p:txBody>
-      </p:sp>
-      <p:sp>
-        <p:nvSpPr>
-          <p:cNvPr id="5" name="Marcador de fecha 4"/>
+              <a:rPr lang="es-ES"/>
+              <a:t>Haga clic para modificar los estilos de texto del patrón</a:t>
+            </a:r>
+          </a:p>
+        </p:txBody>
+      </p:sp>
+      <p:sp>
+        <p:nvSpPr>
+          <p:cNvPr id="5" name="Marcador de fecha 4">
+            <a:extLst>
+              <a:ext uri="{FF2B5EF4-FFF2-40B4-BE49-F238E27FC236}">
+                <a16:creationId xmlns:a16="http://schemas.microsoft.com/office/drawing/2014/main" id="{F81BD088-2B3E-4274-8B98-C9405412722B}"/>
+              </a:ext>
+            </a:extLst>
+          </p:cNvPr>
           <p:cNvSpPr>
             <a:spLocks noGrp="1"/>
           </p:cNvSpPr>
@@ -3212,9 +2690,9 @@
           <a:bodyPr/>
           <a:lstStyle/>
           <a:p>
-            <a:fld id="{4097F1C0-AB73-4599-94B3-8B167406BF92}" type="datetimeFigureOut">
+            <a:fld id="{3A70AC66-A815-4559-8182-3A03A5640481}" type="datetimeFigureOut">
               <a:rPr lang="es-CR" smtClean="0"/>
-              <a:t>15/10/2020</a:t>
+              <a:t>23/09/2021</a:t>
             </a:fld>
             <a:endParaRPr lang="es-CR"/>
           </a:p>
@@ -3222,7 +2700,13 @@
       </p:sp>
       <p:sp>
         <p:nvSpPr>
-          <p:cNvPr id="6" name="Marcador de pie de página 5"/>
+          <p:cNvPr id="6" name="Marcador de pie de página 5">
+            <a:extLst>
+              <a:ext uri="{FF2B5EF4-FFF2-40B4-BE49-F238E27FC236}">
+                <a16:creationId xmlns:a16="http://schemas.microsoft.com/office/drawing/2014/main" id="{FB400D45-074E-485C-B34C-6A1EF554B6D1}"/>
+              </a:ext>
+            </a:extLst>
+          </p:cNvPr>
           <p:cNvSpPr>
             <a:spLocks noGrp="1"/>
           </p:cNvSpPr>
@@ -3241,7 +2725,13 @@
       </p:sp>
       <p:sp>
         <p:nvSpPr>
-          <p:cNvPr id="7" name="Marcador de número de diapositiva 6"/>
+          <p:cNvPr id="7" name="Marcador de número de diapositiva 6">
+            <a:extLst>
+              <a:ext uri="{FF2B5EF4-FFF2-40B4-BE49-F238E27FC236}">
+                <a16:creationId xmlns:a16="http://schemas.microsoft.com/office/drawing/2014/main" id="{1DF9C692-DDCD-4FF9-A651-B293C9638F22}"/>
+              </a:ext>
+            </a:extLst>
+          </p:cNvPr>
           <p:cNvSpPr>
             <a:spLocks noGrp="1"/>
           </p:cNvSpPr>
@@ -3254,7 +2744,7 @@
           <a:bodyPr/>
           <a:lstStyle/>
           <a:p>
-            <a:fld id="{C4DE4BA8-472F-4FDC-AFF2-19F1D080A936}" type="slidenum">
+            <a:fld id="{ECB83ED2-F851-435F-92AB-DD2115C3C395}" type="slidenum">
               <a:rPr lang="es-CR" smtClean="0"/>
               <a:t>‹Nº›</a:t>
             </a:fld>
@@ -3265,7 +2755,7 @@
     </p:spTree>
     <p:extLst>
       <p:ext uri="{BB962C8B-B14F-4D97-AF65-F5344CB8AC3E}">
-        <p14:creationId xmlns:p14="http://schemas.microsoft.com/office/powerpoint/2010/main" val="3500721087"/>
+        <p14:creationId xmlns:p14="http://schemas.microsoft.com/office/powerpoint/2010/main" val="1103319550"/>
       </p:ext>
     </p:extLst>
   </p:cSld>
@@ -3279,9 +2769,18 @@
 <p:sldMaster xmlns:a="http://schemas.openxmlformats.org/drawingml/2006/main" xmlns:r="http://schemas.openxmlformats.org/officeDocument/2006/relationships" xmlns:p="http://schemas.openxmlformats.org/presentationml/2006/main">
   <p:cSld>
     <p:bg>
-      <p:bgRef idx="1001">
-        <a:schemeClr val="bg1"/>
-      </p:bgRef>
+      <p:bgPr>
+        <a:blipFill dpi="0" rotWithShape="1">
+          <a:blip r:embed="rId13">
+            <a:lum/>
+          </a:blip>
+          <a:srcRect/>
+          <a:stretch>
+            <a:fillRect/>
+          </a:stretch>
+        </a:blipFill>
+        <a:effectLst/>
+      </p:bgPr>
     </p:bg>
     <p:spTree>
       <p:nvGrpSpPr>
@@ -3299,7 +2798,13 @@
       </p:grpSpPr>
       <p:sp>
         <p:nvSpPr>
-          <p:cNvPr id="2" name="Marcador de título 1"/>
+          <p:cNvPr id="2" name="Marcador de título 1">
+            <a:extLst>
+              <a:ext uri="{FF2B5EF4-FFF2-40B4-BE49-F238E27FC236}">
+                <a16:creationId xmlns:a16="http://schemas.microsoft.com/office/drawing/2014/main" id="{0E114FF6-3AA9-470D-BA62-755F3FDA6CA0}"/>
+              </a:ext>
+            </a:extLst>
+          </p:cNvPr>
           <p:cNvSpPr>
             <a:spLocks noGrp="1"/>
           </p:cNvSpPr>
@@ -3323,7 +2828,7 @@
           <a:lstStyle/>
           <a:p>
             <a:r>
-              <a:rPr lang="es-ES" smtClean="0"/>
+              <a:rPr lang="es-ES"/>
               <a:t>Haga clic para modificar el estilo de título del patrón</a:t>
             </a:r>
             <a:endParaRPr lang="es-CR"/>
@@ -3332,7 +2837,13 @@
       </p:sp>
       <p:sp>
         <p:nvSpPr>
-          <p:cNvPr id="3" name="Marcador de texto 2"/>
+          <p:cNvPr id="3" name="Marcador de texto 2">
+            <a:extLst>
+              <a:ext uri="{FF2B5EF4-FFF2-40B4-BE49-F238E27FC236}">
+                <a16:creationId xmlns:a16="http://schemas.microsoft.com/office/drawing/2014/main" id="{3D141E7B-0765-49B1-9308-18E45534AF95}"/>
+              </a:ext>
+            </a:extLst>
+          </p:cNvPr>
           <p:cNvSpPr>
             <a:spLocks noGrp="1"/>
           </p:cNvSpPr>
@@ -3357,35 +2868,35 @@
           <a:p>
             <a:pPr lvl="0"/>
             <a:r>
-              <a:rPr lang="es-ES" smtClean="0"/>
-              <a:t>Editar el estilo de texto del patrón</a:t>
+              <a:rPr lang="es-ES"/>
+              <a:t>Haga clic para modificar los estilos de texto del patrón</a:t>
             </a:r>
           </a:p>
           <a:p>
             <a:pPr lvl="1"/>
             <a:r>
-              <a:rPr lang="es-ES" smtClean="0"/>
+              <a:rPr lang="es-ES"/>
               <a:t>Segundo nivel</a:t>
             </a:r>
           </a:p>
           <a:p>
             <a:pPr lvl="2"/>
             <a:r>
-              <a:rPr lang="es-ES" smtClean="0"/>
+              <a:rPr lang="es-ES"/>
               <a:t>Tercer nivel</a:t>
             </a:r>
           </a:p>
           <a:p>
             <a:pPr lvl="3"/>
             <a:r>
-              <a:rPr lang="es-ES" smtClean="0"/>
+              <a:rPr lang="es-ES"/>
               <a:t>Cuarto nivel</a:t>
             </a:r>
           </a:p>
           <a:p>
             <a:pPr lvl="4"/>
             <a:r>
-              <a:rPr lang="es-ES" smtClean="0"/>
+              <a:rPr lang="es-ES"/>
               <a:t>Quinto nivel</a:t>
             </a:r>
             <a:endParaRPr lang="es-CR"/>
@@ -3394,7 +2905,13 @@
       </p:sp>
       <p:sp>
         <p:nvSpPr>
-          <p:cNvPr id="4" name="Marcador de fecha 3"/>
+          <p:cNvPr id="4" name="Marcador de fecha 3">
+            <a:extLst>
+              <a:ext uri="{FF2B5EF4-FFF2-40B4-BE49-F238E27FC236}">
+                <a16:creationId xmlns:a16="http://schemas.microsoft.com/office/drawing/2014/main" id="{A4E0F43D-7ED7-463F-AAF5-AF6A2DD271FD}"/>
+              </a:ext>
+            </a:extLst>
+          </p:cNvPr>
           <p:cNvSpPr>
             <a:spLocks noGrp="1"/>
           </p:cNvSpPr>
@@ -3425,9 +2942,9 @@
             </a:lvl1pPr>
           </a:lstStyle>
           <a:p>
-            <a:fld id="{4097F1C0-AB73-4599-94B3-8B167406BF92}" type="datetimeFigureOut">
+            <a:fld id="{3A70AC66-A815-4559-8182-3A03A5640481}" type="datetimeFigureOut">
               <a:rPr lang="es-CR" smtClean="0"/>
-              <a:t>15/10/2020</a:t>
+              <a:t>23/09/2021</a:t>
             </a:fld>
             <a:endParaRPr lang="es-CR"/>
           </a:p>
@@ -3435,7 +2952,13 @@
       </p:sp>
       <p:sp>
         <p:nvSpPr>
-          <p:cNvPr id="5" name="Marcador de pie de página 4"/>
+          <p:cNvPr id="5" name="Marcador de pie de página 4">
+            <a:extLst>
+              <a:ext uri="{FF2B5EF4-FFF2-40B4-BE49-F238E27FC236}">
+                <a16:creationId xmlns:a16="http://schemas.microsoft.com/office/drawing/2014/main" id="{09F7D472-F605-4841-B6B1-73AD389EB43C}"/>
+              </a:ext>
+            </a:extLst>
+          </p:cNvPr>
           <p:cNvSpPr>
             <a:spLocks noGrp="1"/>
           </p:cNvSpPr>
@@ -3472,7 +2995,13 @@
       </p:sp>
       <p:sp>
         <p:nvSpPr>
-          <p:cNvPr id="6" name="Marcador de número de diapositiva 5"/>
+          <p:cNvPr id="6" name="Marcador de número de diapositiva 5">
+            <a:extLst>
+              <a:ext uri="{FF2B5EF4-FFF2-40B4-BE49-F238E27FC236}">
+                <a16:creationId xmlns:a16="http://schemas.microsoft.com/office/drawing/2014/main" id="{95806769-173C-449A-AA89-999D66790757}"/>
+              </a:ext>
+            </a:extLst>
+          </p:cNvPr>
           <p:cNvSpPr>
             <a:spLocks noGrp="1"/>
           </p:cNvSpPr>
@@ -3503,7 +3032,7 @@
             </a:lvl1pPr>
           </a:lstStyle>
           <a:p>
-            <a:fld id="{C4DE4BA8-472F-4FDC-AFF2-19F1D080A936}" type="slidenum">
+            <a:fld id="{ECB83ED2-F851-435F-92AB-DD2115C3C395}" type="slidenum">
               <a:rPr lang="es-CR" smtClean="0"/>
               <a:t>‹Nº›</a:t>
             </a:fld>
@@ -3514,7 +3043,7 @@
     </p:spTree>
     <p:extLst>
       <p:ext uri="{BB962C8B-B14F-4D97-AF65-F5344CB8AC3E}">
-        <p14:creationId xmlns:p14="http://schemas.microsoft.com/office/powerpoint/2010/main" val="3606329351"/>
+        <p14:creationId xmlns:p14="http://schemas.microsoft.com/office/powerpoint/2010/main" val="1012706593"/>
       </p:ext>
     </p:extLst>
   </p:cSld>
@@ -3832,211 +3361,104 @@
           <a:chExt cx="0" cy="0"/>
         </a:xfrm>
       </p:grpSpPr>
-      <p:pic>
-        <p:nvPicPr>
-          <p:cNvPr id="4" name="Marcador de contenido 3"/>
-          <p:cNvPicPr>
-            <a:picLocks noGrp="1" noChangeAspect="1"/>
-          </p:cNvPicPr>
-          <p:nvPr>
-            <p:ph idx="1"/>
-          </p:nvPr>
-        </p:nvPicPr>
-        <p:blipFill>
-          <a:blip r:embed="rId3">
-            <a:extLst>
-              <a:ext uri="{28A0092B-C50C-407E-A947-70E740481C1C}">
-                <a14:useLocalDpi xmlns:a14="http://schemas.microsoft.com/office/drawing/2010/main" val="0"/>
-              </a:ext>
-            </a:extLst>
-          </a:blip>
-          <a:stretch>
-            <a:fillRect/>
-          </a:stretch>
-        </p:blipFill>
+      <p:sp>
+        <p:nvSpPr>
+          <p:cNvPr id="2" name="Título 1">
+            <a:extLst>
+              <a:ext uri="{FF2B5EF4-FFF2-40B4-BE49-F238E27FC236}">
+                <a16:creationId xmlns:a16="http://schemas.microsoft.com/office/drawing/2014/main" id="{06706B46-C781-4587-B575-E788554C28A1}"/>
+              </a:ext>
+            </a:extLst>
+          </p:cNvPr>
+          <p:cNvSpPr>
+            <a:spLocks noGrp="1"/>
+          </p:cNvSpPr>
+          <p:nvPr>
+            <p:ph type="ctrTitle"/>
+          </p:nvPr>
+        </p:nvSpPr>
         <p:spPr>
           <a:xfrm>
-            <a:off x="3690257" y="0"/>
-            <a:ext cx="8278510" cy="6404769"/>
+            <a:off x="280332" y="-472646"/>
+            <a:ext cx="5290473" cy="1672929"/>
           </a:xfrm>
         </p:spPr>
-      </p:pic>
-      <p:sp>
-        <p:nvSpPr>
-          <p:cNvPr id="5" name="CuadroTexto 4"/>
-          <p:cNvSpPr txBox="1"/>
-          <p:nvPr/>
+        <p:txBody>
+          <a:bodyPr>
+            <a:normAutofit/>
+          </a:bodyPr>
+          <a:lstStyle/>
+          <a:p>
+            <a:r>
+              <a:rPr lang="es-CR" sz="6600" dirty="0" err="1">
+                <a:solidFill>
+                  <a:schemeClr val="bg1"/>
+                </a:solidFill>
+                <a:latin typeface="Aharoni" panose="02010803020104030203" pitchFamily="2" charset="-79"/>
+                <a:cs typeface="Aharoni" panose="02010803020104030203" pitchFamily="2" charset="-79"/>
+              </a:rPr>
+              <a:t>Flautaoke</a:t>
+            </a:r>
+            <a:endParaRPr lang="es-CR" sz="6600" dirty="0">
+              <a:solidFill>
+                <a:schemeClr val="bg1"/>
+              </a:solidFill>
+              <a:latin typeface="Aharoni" panose="02010803020104030203" pitchFamily="2" charset="-79"/>
+              <a:cs typeface="Aharoni" panose="02010803020104030203" pitchFamily="2" charset="-79"/>
+            </a:endParaRPr>
+          </a:p>
+        </p:txBody>
+      </p:sp>
+      <p:sp>
+        <p:nvSpPr>
+          <p:cNvPr id="3" name="Subtítulo 2">
+            <a:extLst>
+              <a:ext uri="{FF2B5EF4-FFF2-40B4-BE49-F238E27FC236}">
+                <a16:creationId xmlns:a16="http://schemas.microsoft.com/office/drawing/2014/main" id="{50257D27-CAB5-4A28-AF9B-685EF55DE05A}"/>
+              </a:ext>
+            </a:extLst>
+          </p:cNvPr>
+          <p:cNvSpPr>
+            <a:spLocks noGrp="1"/>
+          </p:cNvSpPr>
+          <p:nvPr>
+            <p:ph type="subTitle" idx="1"/>
+          </p:nvPr>
         </p:nvSpPr>
         <p:spPr>
           <a:xfrm>
-            <a:off x="987953" y="4101295"/>
-            <a:ext cx="7772399" cy="2062103"/>
+            <a:off x="456689" y="1744394"/>
+            <a:ext cx="7069525" cy="4981339"/>
           </a:xfrm>
-          <a:prstGeom prst="rect">
-            <a:avLst/>
-          </a:prstGeom>
-          <a:noFill/>
         </p:spPr>
         <p:txBody>
-          <a:bodyPr wrap="square" rtlCol="0">
-            <a:spAutoFit/>
+          <a:bodyPr>
+            <a:normAutofit fontScale="92500"/>
           </a:bodyPr>
           <a:lstStyle/>
           <a:p>
-            <a:r>
-              <a:rPr lang="es-CR" sz="3200" dirty="0" smtClean="0">
+            <a:pPr algn="l">
+              <a:lnSpc>
+                <a:spcPct val="170000"/>
+              </a:lnSpc>
+            </a:pPr>
+            <a:r>
+              <a:rPr lang="es-CR" sz="2600" b="1" dirty="0">
                 <a:solidFill>
-                  <a:schemeClr val="tx2">
-                    <a:lumMod val="60000"/>
-                    <a:lumOff val="40000"/>
-                  </a:schemeClr>
+                  <a:schemeClr val="bg1"/>
                 </a:solidFill>
-                <a:latin typeface="Franklin Gothic Demi" panose="020B0703020102020204" pitchFamily="34" charset="0"/>
+                <a:latin typeface="Century Gothic" panose="020B0502020202020204" pitchFamily="34" charset="0"/>
+                <a:cs typeface="Segoe UI Light" panose="020B0502040204020203" pitchFamily="34" charset="0"/>
               </a:rPr>
-              <a:t>aumentada </a:t>
-            </a:r>
-            <a:r>
-              <a:rPr lang="es-CR" sz="3200" dirty="0">
-                <a:solidFill>
-                  <a:schemeClr val="tx2">
-                    <a:lumMod val="60000"/>
-                    <a:lumOff val="40000"/>
-                  </a:schemeClr>
-                </a:solidFill>
-                <a:latin typeface="Franklin Gothic Demi" panose="020B0703020102020204" pitchFamily="34" charset="0"/>
-              </a:rPr>
-              <a:t>y un videojuego en tres niveles, que aborda contenido del tema de los reinos biológicos y las relaciones que se dan entre los seres </a:t>
-            </a:r>
-            <a:r>
-              <a:rPr lang="es-CR" sz="3200" dirty="0" smtClean="0">
-                <a:solidFill>
-                  <a:schemeClr val="tx2">
-                    <a:lumMod val="60000"/>
-                    <a:lumOff val="40000"/>
-                  </a:schemeClr>
-                </a:solidFill>
-                <a:latin typeface="Franklin Gothic Demi" panose="020B0703020102020204" pitchFamily="34" charset="0"/>
-              </a:rPr>
-              <a:t>vivos.</a:t>
-            </a:r>
-            <a:endParaRPr lang="es-CR" sz="3200" dirty="0">
-              <a:solidFill>
-                <a:schemeClr val="tx2">
-                  <a:lumMod val="60000"/>
-                  <a:lumOff val="40000"/>
-                </a:schemeClr>
-              </a:solidFill>
-              <a:latin typeface="Franklin Gothic Demi" panose="020B0703020102020204" pitchFamily="34" charset="0"/>
-            </a:endParaRPr>
-          </a:p>
-        </p:txBody>
-      </p:sp>
-      <p:sp>
-        <p:nvSpPr>
-          <p:cNvPr id="6" name="Rectángulo 5"/>
-          <p:cNvSpPr/>
-          <p:nvPr/>
-        </p:nvSpPr>
-        <p:spPr>
-          <a:xfrm>
-            <a:off x="987953" y="1546750"/>
-            <a:ext cx="6384472" cy="2554545"/>
-          </a:xfrm>
-          <a:prstGeom prst="rect">
-            <a:avLst/>
-          </a:prstGeom>
-        </p:spPr>
-        <p:txBody>
-          <a:bodyPr wrap="square">
-            <a:spAutoFit/>
-          </a:bodyPr>
-          <a:lstStyle/>
-          <a:p>
-            <a:r>
-              <a:rPr lang="es-CR" sz="3200" dirty="0">
-                <a:solidFill>
-                  <a:schemeClr val="tx2">
-                    <a:lumMod val="60000"/>
-                    <a:lumOff val="40000"/>
-                  </a:schemeClr>
-                </a:solidFill>
-                <a:latin typeface="Franklin Gothic Demi" panose="020B0703020102020204" pitchFamily="34" charset="0"/>
-              </a:rPr>
-              <a:t>Juego multimedia interactivo con un avatar personalizable, un cómic, un módulo que se accede a la Comunidad del Tronco Caído mediante realidad </a:t>
-            </a:r>
-          </a:p>
-        </p:txBody>
-      </p:sp>
-      <p:sp>
-        <p:nvSpPr>
-          <p:cNvPr id="7" name="CuadroTexto 6"/>
-          <p:cNvSpPr txBox="1"/>
-          <p:nvPr/>
-        </p:nvSpPr>
-        <p:spPr>
-          <a:xfrm>
-            <a:off x="987953" y="129721"/>
-            <a:ext cx="4571926" cy="1600438"/>
-          </a:xfrm>
-          <a:prstGeom prst="rect">
-            <a:avLst/>
-          </a:prstGeom>
-          <a:noFill/>
-        </p:spPr>
-        <p:txBody>
-          <a:bodyPr wrap="square" rtlCol="0">
-            <a:spAutoFit/>
-          </a:bodyPr>
-          <a:lstStyle/>
-          <a:p>
-            <a:r>
-              <a:rPr lang="es-CR" sz="4400" dirty="0">
-                <a:solidFill>
-                  <a:schemeClr val="bg1">
-                    <a:lumMod val="50000"/>
-                  </a:schemeClr>
-                </a:solidFill>
-                <a:latin typeface="Impact" panose="020B0806030902050204" pitchFamily="34" charset="0"/>
-              </a:rPr>
-              <a:t>Apocalipsis</a:t>
-            </a:r>
-            <a:r>
-              <a:rPr lang="es-CR" sz="3200" dirty="0">
-                <a:solidFill>
-                  <a:schemeClr val="bg1">
-                    <a:lumMod val="50000"/>
-                  </a:schemeClr>
-                </a:solidFill>
-                <a:latin typeface="Impact" panose="020B0806030902050204" pitchFamily="34" charset="0"/>
-              </a:rPr>
-              <a:t> </a:t>
-            </a:r>
-            <a:r>
-              <a:rPr lang="es-CR" sz="5400" dirty="0">
-                <a:solidFill>
-                  <a:schemeClr val="bg1">
-                    <a:lumMod val="50000"/>
-                  </a:schemeClr>
-                </a:solidFill>
-                <a:latin typeface="Impact" panose="020B0806030902050204" pitchFamily="34" charset="0"/>
-              </a:rPr>
-              <a:t>zombi</a:t>
-            </a:r>
-            <a:endParaRPr lang="es-CR" sz="3200" dirty="0">
-              <a:solidFill>
-                <a:schemeClr val="bg1">
-                  <a:lumMod val="50000"/>
-                </a:schemeClr>
-              </a:solidFill>
-              <a:latin typeface="Impact" panose="020B0806030902050204" pitchFamily="34" charset="0"/>
-            </a:endParaRPr>
+              <a:t>Aplicación web que permitirá al aprendiz de flauta dulce iniciar desde cero el proceso de dominio de este maravilloso instrumento, y de manera gradual ir incrementando su habilidades practicando con numerosas y conocidas melodías al mejor estilo de un karaoke, ¡pero con flauta!</a:t>
+            </a:r>
           </a:p>
         </p:txBody>
       </p:sp>
     </p:spTree>
     <p:extLst>
       <p:ext uri="{BB962C8B-B14F-4D97-AF65-F5344CB8AC3E}">
-        <p14:creationId xmlns:p14="http://schemas.microsoft.com/office/powerpoint/2010/main" val="3589526486"/>
+        <p14:creationId xmlns:p14="http://schemas.microsoft.com/office/powerpoint/2010/main" val="3698935389"/>
       </p:ext>
     </p:extLst>
   </p:cSld>
@@ -4063,133 +3485,97 @@
           <a:chExt cx="0" cy="0"/>
         </a:xfrm>
       </p:grpSpPr>
-      <p:pic>
-        <p:nvPicPr>
-          <p:cNvPr id="4" name="Marcador de contenido 3"/>
-          <p:cNvPicPr>
-            <a:picLocks noGrp="1" noChangeAspect="1"/>
-          </p:cNvPicPr>
-          <p:nvPr>
-            <p:ph idx="1"/>
-          </p:nvPr>
-        </p:nvPicPr>
-        <p:blipFill>
-          <a:blip r:embed="rId3">
-            <a:extLst>
-              <a:ext uri="{28A0092B-C50C-407E-A947-70E740481C1C}">
-                <a14:useLocalDpi xmlns:a14="http://schemas.microsoft.com/office/drawing/2010/main" val="0"/>
-              </a:ext>
-            </a:extLst>
-          </a:blip>
-          <a:stretch>
-            <a:fillRect/>
-          </a:stretch>
-        </p:blipFill>
+      <p:sp>
+        <p:nvSpPr>
+          <p:cNvPr id="2" name="Título 1">
+            <a:extLst>
+              <a:ext uri="{FF2B5EF4-FFF2-40B4-BE49-F238E27FC236}">
+                <a16:creationId xmlns:a16="http://schemas.microsoft.com/office/drawing/2014/main" id="{06706B46-C781-4587-B575-E788554C28A1}"/>
+              </a:ext>
+            </a:extLst>
+          </p:cNvPr>
+          <p:cNvSpPr>
+            <a:spLocks noGrp="1"/>
+          </p:cNvSpPr>
+          <p:nvPr>
+            <p:ph type="ctrTitle"/>
+          </p:nvPr>
+        </p:nvSpPr>
         <p:spPr>
           <a:xfrm>
-            <a:off x="3690257" y="0"/>
-            <a:ext cx="8278510" cy="6404769"/>
+            <a:off x="151075" y="1497037"/>
+            <a:ext cx="7720716" cy="1181686"/>
           </a:xfrm>
         </p:spPr>
-      </p:pic>
-      <p:sp>
-        <p:nvSpPr>
-          <p:cNvPr id="5" name="CuadroTexto 4"/>
-          <p:cNvSpPr txBox="1"/>
-          <p:nvPr/>
+        <p:txBody>
+          <a:bodyPr>
+            <a:normAutofit fontScale="90000"/>
+          </a:bodyPr>
+          <a:lstStyle/>
+          <a:p>
+            <a:r>
+              <a:rPr lang="es-CR" dirty="0">
+                <a:solidFill>
+                  <a:schemeClr val="bg1"/>
+                </a:solidFill>
+                <a:latin typeface="Aharoni" panose="02010803020104030203" pitchFamily="2" charset="-79"/>
+                <a:cs typeface="Aharoni" panose="02010803020104030203" pitchFamily="2" charset="-79"/>
+              </a:rPr>
+              <a:t>Mi cuento Fantástico con Educación Financiera</a:t>
+            </a:r>
+          </a:p>
+        </p:txBody>
+      </p:sp>
+      <p:sp>
+        <p:nvSpPr>
+          <p:cNvPr id="3" name="Subtítulo 2">
+            <a:extLst>
+              <a:ext uri="{FF2B5EF4-FFF2-40B4-BE49-F238E27FC236}">
+                <a16:creationId xmlns:a16="http://schemas.microsoft.com/office/drawing/2014/main" id="{50257D27-CAB5-4A28-AF9B-685EF55DE05A}"/>
+              </a:ext>
+            </a:extLst>
+          </p:cNvPr>
+          <p:cNvSpPr>
+            <a:spLocks noGrp="1"/>
+          </p:cNvSpPr>
+          <p:nvPr>
+            <p:ph type="subTitle" idx="1"/>
+          </p:nvPr>
         </p:nvSpPr>
         <p:spPr>
           <a:xfrm>
-            <a:off x="628725" y="1952213"/>
-            <a:ext cx="7772399" cy="3970318"/>
+            <a:off x="439768" y="2678723"/>
+            <a:ext cx="7143330" cy="6058797"/>
           </a:xfrm>
-          <a:prstGeom prst="rect">
-            <a:avLst/>
-          </a:prstGeom>
-          <a:noFill/>
         </p:spPr>
         <p:txBody>
-          <a:bodyPr wrap="square" rtlCol="0">
-            <a:spAutoFit/>
+          <a:bodyPr>
+            <a:normAutofit/>
           </a:bodyPr>
           <a:lstStyle/>
           <a:p>
-            <a:r>
-              <a:rPr lang="es-CR" sz="3600" dirty="0">
+            <a:pPr algn="l">
+              <a:lnSpc>
+                <a:spcPct val="150000"/>
+              </a:lnSpc>
+            </a:pPr>
+            <a:r>
+              <a:rPr lang="es-CR" sz="2800" b="1" dirty="0">
                 <a:solidFill>
-                  <a:schemeClr val="tx2">
-                    <a:lumMod val="60000"/>
-                    <a:lumOff val="40000"/>
-                  </a:schemeClr>
+                  <a:schemeClr val="bg1"/>
                 </a:solidFill>
-                <a:latin typeface="Franklin Gothic Demi" panose="020B0703020102020204" pitchFamily="34" charset="0"/>
+                <a:latin typeface="Century Gothic" panose="020B0502020202020204" pitchFamily="34" charset="0"/>
+                <a:cs typeface="Segoe UI Light" panose="020B0502040204020203" pitchFamily="34" charset="0"/>
               </a:rPr>
-              <a:t>Multimedia interactivo un avatar personalizable, un cómic, un módulo que se accede mediante realidad aumentada con tres ambientes diferentes con varios juegos interactivos, para abordar el tema de “Paisajes sonoros”. </a:t>
-            </a:r>
-          </a:p>
-        </p:txBody>
-      </p:sp>
-      <p:sp>
-        <p:nvSpPr>
-          <p:cNvPr id="7" name="CuadroTexto 6"/>
-          <p:cNvSpPr txBox="1"/>
-          <p:nvPr/>
-        </p:nvSpPr>
-        <p:spPr>
-          <a:xfrm>
-            <a:off x="628725" y="129721"/>
-            <a:ext cx="4571926" cy="1692771"/>
-          </a:xfrm>
-          <a:prstGeom prst="rect">
-            <a:avLst/>
-          </a:prstGeom>
-          <a:noFill/>
-        </p:spPr>
-        <p:txBody>
-          <a:bodyPr wrap="square" rtlCol="0">
-            <a:spAutoFit/>
-          </a:bodyPr>
-          <a:lstStyle/>
-          <a:p>
-            <a:r>
-              <a:rPr lang="es-CR" sz="6000" dirty="0" smtClean="0">
-                <a:solidFill>
-                  <a:schemeClr val="bg1">
-                    <a:lumMod val="50000"/>
-                  </a:schemeClr>
-                </a:solidFill>
-                <a:latin typeface="Impact" panose="020B0806030902050204" pitchFamily="34" charset="0"/>
-              </a:rPr>
-              <a:t>Brigada</a:t>
-            </a:r>
-          </a:p>
-          <a:p>
-            <a:r>
-              <a:rPr lang="es-CR" sz="4400" dirty="0" smtClean="0">
-                <a:solidFill>
-                  <a:schemeClr val="bg1">
-                    <a:lumMod val="50000"/>
-                  </a:schemeClr>
-                </a:solidFill>
-                <a:latin typeface="Impact" panose="020B0806030902050204" pitchFamily="34" charset="0"/>
-              </a:rPr>
-              <a:t> Ecosónica</a:t>
-            </a:r>
-            <a:endParaRPr lang="es-CR" sz="4400" dirty="0">
-              <a:solidFill>
-                <a:schemeClr val="bg1">
-                  <a:lumMod val="50000"/>
-                </a:schemeClr>
-              </a:solidFill>
-              <a:latin typeface="Impact" panose="020B0806030902050204" pitchFamily="34" charset="0"/>
-            </a:endParaRPr>
+              <a:t>Una forma diferente de aprender la importancia de la Educación Financiera  por medio de la literatura y creada por nuestros propios estudiantes con actividades para desarrollar en casa o en clase.</a:t>
+            </a:r>
           </a:p>
         </p:txBody>
       </p:sp>
     </p:spTree>
     <p:extLst>
       <p:ext uri="{BB962C8B-B14F-4D97-AF65-F5344CB8AC3E}">
-        <p14:creationId xmlns:p14="http://schemas.microsoft.com/office/powerpoint/2010/main" val="461422566"/>
+        <p14:creationId xmlns:p14="http://schemas.microsoft.com/office/powerpoint/2010/main" val="1695724987"/>
       </p:ext>
     </p:extLst>
   </p:cSld>
@@ -4216,209 +3602,100 @@
           <a:chExt cx="0" cy="0"/>
         </a:xfrm>
       </p:grpSpPr>
-      <p:pic>
-        <p:nvPicPr>
-          <p:cNvPr id="4" name="Marcador de contenido 3"/>
-          <p:cNvPicPr>
-            <a:picLocks noGrp="1" noChangeAspect="1"/>
-          </p:cNvPicPr>
-          <p:nvPr>
-            <p:ph idx="1"/>
-          </p:nvPr>
-        </p:nvPicPr>
-        <p:blipFill>
-          <a:blip r:embed="rId3">
-            <a:extLst>
-              <a:ext uri="{28A0092B-C50C-407E-A947-70E740481C1C}">
-                <a14:useLocalDpi xmlns:a14="http://schemas.microsoft.com/office/drawing/2010/main" val="0"/>
-              </a:ext>
-            </a:extLst>
-          </a:blip>
-          <a:stretch>
-            <a:fillRect/>
-          </a:stretch>
-        </p:blipFill>
+      <p:sp>
+        <p:nvSpPr>
+          <p:cNvPr id="2" name="Título 1">
+            <a:extLst>
+              <a:ext uri="{FF2B5EF4-FFF2-40B4-BE49-F238E27FC236}">
+                <a16:creationId xmlns:a16="http://schemas.microsoft.com/office/drawing/2014/main" id="{06706B46-C781-4587-B575-E788554C28A1}"/>
+              </a:ext>
+            </a:extLst>
+          </p:cNvPr>
+          <p:cNvSpPr>
+            <a:spLocks noGrp="1"/>
+          </p:cNvSpPr>
+          <p:nvPr>
+            <p:ph type="ctrTitle"/>
+          </p:nvPr>
+        </p:nvSpPr>
         <p:spPr>
           <a:xfrm>
-            <a:off x="3690257" y="0"/>
-            <a:ext cx="8278510" cy="6404769"/>
+            <a:off x="654656" y="598538"/>
+            <a:ext cx="6998168" cy="1525683"/>
           </a:xfrm>
         </p:spPr>
-      </p:pic>
-      <p:sp>
-        <p:nvSpPr>
-          <p:cNvPr id="5" name="CuadroTexto 4"/>
-          <p:cNvSpPr txBox="1"/>
-          <p:nvPr/>
+        <p:txBody>
+          <a:bodyPr>
+            <a:noAutofit/>
+          </a:bodyPr>
+          <a:lstStyle/>
+          <a:p>
+            <a:r>
+              <a:rPr lang="es-CR" dirty="0">
+                <a:solidFill>
+                  <a:schemeClr val="bg1"/>
+                </a:solidFill>
+                <a:latin typeface="Aharoni" panose="02010803020104030203" pitchFamily="2" charset="-79"/>
+                <a:cs typeface="Aharoni" panose="02010803020104030203" pitchFamily="2" charset="-79"/>
+              </a:rPr>
+              <a:t>Cuentos de mi Tía Panchita</a:t>
+            </a:r>
+          </a:p>
+        </p:txBody>
+      </p:sp>
+      <p:sp>
+        <p:nvSpPr>
+          <p:cNvPr id="3" name="Subtítulo 2">
+            <a:extLst>
+              <a:ext uri="{FF2B5EF4-FFF2-40B4-BE49-F238E27FC236}">
+                <a16:creationId xmlns:a16="http://schemas.microsoft.com/office/drawing/2014/main" id="{50257D27-CAB5-4A28-AF9B-685EF55DE05A}"/>
+              </a:ext>
+            </a:extLst>
+          </p:cNvPr>
+          <p:cNvSpPr>
+            <a:spLocks noGrp="1"/>
+          </p:cNvSpPr>
+          <p:nvPr>
+            <p:ph type="subTitle" idx="1"/>
+          </p:nvPr>
         </p:nvSpPr>
         <p:spPr>
           <a:xfrm>
-            <a:off x="1102253" y="4325481"/>
-            <a:ext cx="7772399" cy="2062103"/>
+            <a:off x="356379" y="2377440"/>
+            <a:ext cx="7296445" cy="4318120"/>
           </a:xfrm>
-          <a:prstGeom prst="rect">
-            <a:avLst/>
-          </a:prstGeom>
-          <a:noFill/>
         </p:spPr>
         <p:txBody>
-          <a:bodyPr wrap="square" rtlCol="0">
-            <a:spAutoFit/>
+          <a:bodyPr>
+            <a:normAutofit lnSpcReduction="10000"/>
           </a:bodyPr>
           <a:lstStyle/>
           <a:p>
-            <a:r>
-              <a:rPr lang="es-CR" sz="3200" dirty="0" smtClean="0">
+            <a:pPr algn="l">
+              <a:lnSpc>
+                <a:spcPct val="170000"/>
+              </a:lnSpc>
+              <a:spcAft>
+                <a:spcPts val="800"/>
+              </a:spcAft>
+            </a:pPr>
+            <a:r>
+              <a:rPr lang="es-CR" sz="2800" b="1" dirty="0">
                 <a:solidFill>
-                  <a:schemeClr val="tx2">
-                    <a:lumMod val="60000"/>
-                    <a:lumOff val="40000"/>
-                  </a:schemeClr>
+                  <a:schemeClr val="bg1"/>
                 </a:solidFill>
-                <a:latin typeface="Franklin Gothic Demi" panose="020B0703020102020204" pitchFamily="34" charset="0"/>
+                <a:latin typeface="Century Gothic" panose="020B0502020202020204" pitchFamily="34" charset="0"/>
+                <a:cs typeface="Segoe UI Light" panose="020B0502040204020203" pitchFamily="34" charset="0"/>
               </a:rPr>
-              <a:t>Un trabajo en colaboración con el Programa de Investigación en Fundamentos de la Educación a Distancia PROIFED, UNED, y Banco Popular.</a:t>
-            </a:r>
-            <a:endParaRPr lang="es-CR" sz="3200" dirty="0">
-              <a:solidFill>
-                <a:schemeClr val="tx2">
-                  <a:lumMod val="60000"/>
-                  <a:lumOff val="40000"/>
-                </a:schemeClr>
-              </a:solidFill>
-              <a:latin typeface="Franklin Gothic Demi" panose="020B0703020102020204" pitchFamily="34" charset="0"/>
-            </a:endParaRPr>
-          </a:p>
-        </p:txBody>
-      </p:sp>
-      <p:sp>
-        <p:nvSpPr>
-          <p:cNvPr id="6" name="Rectángulo 5"/>
-          <p:cNvSpPr/>
-          <p:nvPr/>
-        </p:nvSpPr>
-        <p:spPr>
-          <a:xfrm>
-            <a:off x="1102253" y="1822492"/>
-            <a:ext cx="6384472" cy="2554545"/>
-          </a:xfrm>
-          <a:prstGeom prst="rect">
-            <a:avLst/>
-          </a:prstGeom>
-        </p:spPr>
-        <p:txBody>
-          <a:bodyPr wrap="square">
-            <a:spAutoFit/>
-          </a:bodyPr>
-          <a:lstStyle/>
-          <a:p>
-            <a:r>
-              <a:rPr lang="es-CR" sz="3200" dirty="0" smtClean="0">
-                <a:solidFill>
-                  <a:schemeClr val="tx2">
-                    <a:lumMod val="60000"/>
-                    <a:lumOff val="40000"/>
-                  </a:schemeClr>
-                </a:solidFill>
-                <a:latin typeface="Franklin Gothic Demi" panose="020B0703020102020204" pitchFamily="34" charset="0"/>
-              </a:rPr>
-              <a:t>Una serie de guías para el docente y sus estudiantes, para los grados de primero a sexto, con actividades que refuerzan la educación financiera.</a:t>
-            </a:r>
-            <a:endParaRPr lang="es-CR" sz="3200" dirty="0">
-              <a:solidFill>
-                <a:schemeClr val="tx2">
-                  <a:lumMod val="60000"/>
-                  <a:lumOff val="40000"/>
-                </a:schemeClr>
-              </a:solidFill>
-              <a:latin typeface="Franklin Gothic Demi" panose="020B0703020102020204" pitchFamily="34" charset="0"/>
-            </a:endParaRPr>
-          </a:p>
-        </p:txBody>
-      </p:sp>
-      <p:sp>
-        <p:nvSpPr>
-          <p:cNvPr id="7" name="CuadroTexto 6"/>
-          <p:cNvSpPr txBox="1"/>
-          <p:nvPr/>
-        </p:nvSpPr>
-        <p:spPr>
-          <a:xfrm>
-            <a:off x="987953" y="129721"/>
-            <a:ext cx="4571926" cy="1692771"/>
-          </a:xfrm>
-          <a:prstGeom prst="rect">
-            <a:avLst/>
-          </a:prstGeom>
-          <a:noFill/>
-        </p:spPr>
-        <p:txBody>
-          <a:bodyPr wrap="square" rtlCol="0">
-            <a:spAutoFit/>
-          </a:bodyPr>
-          <a:lstStyle/>
-          <a:p>
-            <a:r>
-              <a:rPr lang="es-CR" sz="6000" dirty="0" smtClean="0">
-                <a:solidFill>
-                  <a:schemeClr val="bg1">
-                    <a:lumMod val="50000"/>
-                  </a:schemeClr>
-                </a:solidFill>
-                <a:latin typeface="Impact" panose="020B0806030902050204" pitchFamily="34" charset="0"/>
-              </a:rPr>
-              <a:t>Educación</a:t>
-            </a:r>
-            <a:r>
-              <a:rPr lang="es-CR" sz="4400" dirty="0" smtClean="0">
-                <a:solidFill>
-                  <a:schemeClr val="bg1">
-                    <a:lumMod val="50000"/>
-                  </a:schemeClr>
-                </a:solidFill>
-                <a:latin typeface="Impact" panose="020B0806030902050204" pitchFamily="34" charset="0"/>
-              </a:rPr>
-              <a:t> </a:t>
-            </a:r>
-          </a:p>
-          <a:p>
-            <a:r>
-              <a:rPr lang="es-CR" sz="4400" dirty="0" smtClean="0">
-                <a:solidFill>
-                  <a:schemeClr val="bg1">
-                    <a:lumMod val="50000"/>
-                  </a:schemeClr>
-                </a:solidFill>
-                <a:latin typeface="Impact" panose="020B0806030902050204" pitchFamily="34" charset="0"/>
-              </a:rPr>
-              <a:t>Financiera</a:t>
-            </a:r>
-            <a:r>
-              <a:rPr lang="es-CR" sz="3200" dirty="0" smtClean="0">
-                <a:solidFill>
-                  <a:schemeClr val="bg1">
-                    <a:lumMod val="50000"/>
-                  </a:schemeClr>
-                </a:solidFill>
-                <a:latin typeface="Impact" panose="020B0806030902050204" pitchFamily="34" charset="0"/>
-              </a:rPr>
-              <a:t> </a:t>
-            </a:r>
-            <a:endParaRPr lang="es-CR" sz="3200" dirty="0">
-              <a:solidFill>
-                <a:schemeClr val="bg1">
-                  <a:lumMod val="50000"/>
-                </a:schemeClr>
-              </a:solidFill>
-              <a:latin typeface="Impact" panose="020B0806030902050204" pitchFamily="34" charset="0"/>
-            </a:endParaRPr>
+              <a:t>Este recurso constituye un acercamiento al argumento de tres de los textos del libro Cuentos de mi tía Panchita, escrito por la autora costarricense María Isabel Carvajal (Carmen Lyra) y publicado por primera vez en 1920. </a:t>
+            </a:r>
           </a:p>
         </p:txBody>
       </p:sp>
     </p:spTree>
     <p:extLst>
       <p:ext uri="{BB962C8B-B14F-4D97-AF65-F5344CB8AC3E}">
-        <p14:creationId xmlns:p14="http://schemas.microsoft.com/office/powerpoint/2010/main" val="3496872601"/>
+        <p14:creationId xmlns:p14="http://schemas.microsoft.com/office/powerpoint/2010/main" val="2707015020"/>
       </p:ext>
     </p:extLst>
   </p:cSld>
@@ -4445,141 +3722,100 @@
           <a:chExt cx="0" cy="0"/>
         </a:xfrm>
       </p:grpSpPr>
-      <p:pic>
-        <p:nvPicPr>
-          <p:cNvPr id="4" name="Marcador de contenido 3"/>
-          <p:cNvPicPr>
-            <a:picLocks noGrp="1" noChangeAspect="1"/>
-          </p:cNvPicPr>
-          <p:nvPr>
-            <p:ph idx="1"/>
-          </p:nvPr>
-        </p:nvPicPr>
-        <p:blipFill>
-          <a:blip r:embed="rId3">
-            <a:extLst>
-              <a:ext uri="{28A0092B-C50C-407E-A947-70E740481C1C}">
-                <a14:useLocalDpi xmlns:a14="http://schemas.microsoft.com/office/drawing/2010/main" val="0"/>
-              </a:ext>
-            </a:extLst>
-          </a:blip>
-          <a:stretch>
-            <a:fillRect/>
-          </a:stretch>
-        </p:blipFill>
+      <p:sp>
+        <p:nvSpPr>
+          <p:cNvPr id="2" name="Título 1">
+            <a:extLst>
+              <a:ext uri="{FF2B5EF4-FFF2-40B4-BE49-F238E27FC236}">
+                <a16:creationId xmlns:a16="http://schemas.microsoft.com/office/drawing/2014/main" id="{06706B46-C781-4587-B575-E788554C28A1}"/>
+              </a:ext>
+            </a:extLst>
+          </p:cNvPr>
+          <p:cNvSpPr>
+            <a:spLocks noGrp="1"/>
+          </p:cNvSpPr>
+          <p:nvPr>
+            <p:ph type="ctrTitle"/>
+          </p:nvPr>
+        </p:nvSpPr>
         <p:spPr>
           <a:xfrm>
-            <a:off x="3690257" y="0"/>
-            <a:ext cx="8278510" cy="6404769"/>
+            <a:off x="288896" y="-147049"/>
+            <a:ext cx="8025110" cy="2299406"/>
           </a:xfrm>
         </p:spPr>
-      </p:pic>
-      <p:sp>
-        <p:nvSpPr>
-          <p:cNvPr id="6" name="Rectángulo 5"/>
-          <p:cNvSpPr/>
-          <p:nvPr/>
+        <p:txBody>
+          <a:bodyPr>
+            <a:normAutofit/>
+          </a:bodyPr>
+          <a:lstStyle/>
+          <a:p>
+            <a:r>
+              <a:rPr lang="es-CR" sz="7200" dirty="0">
+                <a:solidFill>
+                  <a:schemeClr val="bg1"/>
+                </a:solidFill>
+                <a:latin typeface="Aharoni" panose="02010803020104030203" pitchFamily="2" charset="-79"/>
+                <a:cs typeface="Aharoni" panose="02010803020104030203" pitchFamily="2" charset="-79"/>
+              </a:rPr>
+              <a:t>Aprendo Pura Vida</a:t>
+            </a:r>
+          </a:p>
+        </p:txBody>
+      </p:sp>
+      <p:sp>
+        <p:nvSpPr>
+          <p:cNvPr id="3" name="Subtítulo 2">
+            <a:extLst>
+              <a:ext uri="{FF2B5EF4-FFF2-40B4-BE49-F238E27FC236}">
+                <a16:creationId xmlns:a16="http://schemas.microsoft.com/office/drawing/2014/main" id="{50257D27-CAB5-4A28-AF9B-685EF55DE05A}"/>
+              </a:ext>
+            </a:extLst>
+          </p:cNvPr>
+          <p:cNvSpPr>
+            <a:spLocks noGrp="1"/>
+          </p:cNvSpPr>
+          <p:nvPr>
+            <p:ph type="subTitle" idx="1"/>
+          </p:nvPr>
         </p:nvSpPr>
         <p:spPr>
           <a:xfrm>
-            <a:off x="856417" y="2324060"/>
-            <a:ext cx="7507054" cy="3970318"/>
+            <a:off x="764344" y="2455473"/>
+            <a:ext cx="7029158" cy="4071935"/>
           </a:xfrm>
-          <a:prstGeom prst="rect">
-            <a:avLst/>
-          </a:prstGeom>
         </p:spPr>
         <p:txBody>
-          <a:bodyPr wrap="square">
-            <a:spAutoFit/>
+          <a:bodyPr>
+            <a:normAutofit/>
           </a:bodyPr>
           <a:lstStyle/>
           <a:p>
-            <a:r>
-              <a:rPr lang="es-CR" sz="3600" dirty="0" smtClean="0">
+            <a:pPr algn="l">
+              <a:lnSpc>
+                <a:spcPct val="150000"/>
+              </a:lnSpc>
+              <a:spcAft>
+                <a:spcPts val="800"/>
+              </a:spcAft>
+            </a:pPr>
+            <a:r>
+              <a:rPr lang="es-CR" sz="2800" b="1" dirty="0">
                 <a:solidFill>
-                  <a:schemeClr val="tx2">
-                    <a:lumMod val="60000"/>
-                    <a:lumOff val="40000"/>
-                  </a:schemeClr>
+                  <a:schemeClr val="bg1"/>
                 </a:solidFill>
-                <a:latin typeface="Franklin Gothic Demi" panose="020B0703020102020204" pitchFamily="34" charset="0"/>
+                <a:latin typeface="Century Gothic" panose="020B0502020202020204" pitchFamily="34" charset="0"/>
+                <a:cs typeface="Segoe UI Light" panose="020B0502040204020203" pitchFamily="34" charset="0"/>
               </a:rPr>
-              <a:t>Traductor de la lengua ngäbere, conocido también como guaimí, este recurso tiene distintas palabras acompañado de un audio, una imagen y una frase que pone en contexto al usuario que desee aprender sobre esta lengua </a:t>
-            </a:r>
-            <a:endParaRPr lang="es-CR" sz="3600" dirty="0">
-              <a:solidFill>
-                <a:schemeClr val="tx2">
-                  <a:lumMod val="60000"/>
-                  <a:lumOff val="40000"/>
-                </a:schemeClr>
-              </a:solidFill>
-              <a:latin typeface="Franklin Gothic Demi" panose="020B0703020102020204" pitchFamily="34" charset="0"/>
-            </a:endParaRPr>
-          </a:p>
-        </p:txBody>
-      </p:sp>
-      <p:sp>
-        <p:nvSpPr>
-          <p:cNvPr id="7" name="CuadroTexto 6"/>
-          <p:cNvSpPr txBox="1"/>
-          <p:nvPr/>
-        </p:nvSpPr>
-        <p:spPr>
-          <a:xfrm>
-            <a:off x="856417" y="90011"/>
-            <a:ext cx="5667680" cy="1938992"/>
-          </a:xfrm>
-          <a:prstGeom prst="rect">
-            <a:avLst/>
-          </a:prstGeom>
-          <a:noFill/>
-        </p:spPr>
-        <p:txBody>
-          <a:bodyPr wrap="square" rtlCol="0">
-            <a:spAutoFit/>
-          </a:bodyPr>
-          <a:lstStyle/>
-          <a:p>
-            <a:r>
-              <a:rPr lang="es-CR" sz="6000" dirty="0" smtClean="0">
-                <a:solidFill>
-                  <a:schemeClr val="bg1">
-                    <a:lumMod val="50000"/>
-                  </a:schemeClr>
-                </a:solidFill>
-                <a:latin typeface="Impact" panose="020B0806030902050204" pitchFamily="34" charset="0"/>
-              </a:rPr>
-              <a:t>Traductor </a:t>
-            </a:r>
-          </a:p>
-          <a:p>
-            <a:r>
-              <a:rPr lang="es-CR" sz="6000" dirty="0" smtClean="0">
-                <a:solidFill>
-                  <a:schemeClr val="bg1">
-                    <a:lumMod val="50000"/>
-                  </a:schemeClr>
-                </a:solidFill>
-                <a:latin typeface="Impact" panose="020B0806030902050204" pitchFamily="34" charset="0"/>
-              </a:rPr>
-              <a:t>ngäbere</a:t>
-            </a:r>
-            <a:endParaRPr lang="es-CR" sz="1600" dirty="0">
-              <a:solidFill>
-                <a:schemeClr val="bg1">
-                  <a:lumMod val="50000"/>
-                </a:schemeClr>
-              </a:solidFill>
-              <a:latin typeface="Impact" panose="020B0806030902050204" pitchFamily="34" charset="0"/>
-            </a:endParaRPr>
+              <a:t>LP Aprendo Pura Vida es una plataforma tecnológica en línea, móvil y fuera de línea que permitirá un aprendizaje flexible y de alta calidad, con posibilidad de elegir los contenidos de mayor interés.</a:t>
+            </a:r>
           </a:p>
         </p:txBody>
       </p:sp>
     </p:spTree>
     <p:extLst>
       <p:ext uri="{BB962C8B-B14F-4D97-AF65-F5344CB8AC3E}">
-        <p14:creationId xmlns:p14="http://schemas.microsoft.com/office/powerpoint/2010/main" val="3633925433"/>
+        <p14:creationId xmlns:p14="http://schemas.microsoft.com/office/powerpoint/2010/main" val="3523954157"/>
       </p:ext>
     </p:extLst>
   </p:cSld>
@@ -4606,128 +3842,100 @@
           <a:chExt cx="0" cy="0"/>
         </a:xfrm>
       </p:grpSpPr>
-      <p:pic>
-        <p:nvPicPr>
-          <p:cNvPr id="4" name="Marcador de contenido 3"/>
-          <p:cNvPicPr>
-            <a:picLocks noGrp="1" noChangeAspect="1"/>
-          </p:cNvPicPr>
-          <p:nvPr>
-            <p:ph idx="1"/>
-          </p:nvPr>
-        </p:nvPicPr>
-        <p:blipFill>
-          <a:blip r:embed="rId3">
-            <a:extLst>
-              <a:ext uri="{28A0092B-C50C-407E-A947-70E740481C1C}">
-                <a14:useLocalDpi xmlns:a14="http://schemas.microsoft.com/office/drawing/2010/main" val="0"/>
-              </a:ext>
-            </a:extLst>
-          </a:blip>
-          <a:stretch>
-            <a:fillRect/>
-          </a:stretch>
-        </p:blipFill>
+      <p:sp>
+        <p:nvSpPr>
+          <p:cNvPr id="2" name="Título 1">
+            <a:extLst>
+              <a:ext uri="{FF2B5EF4-FFF2-40B4-BE49-F238E27FC236}">
+                <a16:creationId xmlns:a16="http://schemas.microsoft.com/office/drawing/2014/main" id="{06706B46-C781-4587-B575-E788554C28A1}"/>
+              </a:ext>
+            </a:extLst>
+          </p:cNvPr>
+          <p:cNvSpPr>
+            <a:spLocks noGrp="1"/>
+          </p:cNvSpPr>
+          <p:nvPr>
+            <p:ph type="ctrTitle"/>
+          </p:nvPr>
+        </p:nvSpPr>
         <p:spPr>
           <a:xfrm>
-            <a:off x="3690257" y="0"/>
-            <a:ext cx="8278510" cy="6404769"/>
+            <a:off x="654656" y="598539"/>
+            <a:ext cx="5653377" cy="1181686"/>
           </a:xfrm>
         </p:spPr>
-      </p:pic>
-      <p:sp>
-        <p:nvSpPr>
-          <p:cNvPr id="6" name="Rectángulo 5"/>
-          <p:cNvSpPr/>
-          <p:nvPr/>
+        <p:txBody>
+          <a:bodyPr>
+            <a:normAutofit fontScale="90000"/>
+          </a:bodyPr>
+          <a:lstStyle/>
+          <a:p>
+            <a:r>
+              <a:rPr lang="es-CR" sz="4400" dirty="0">
+                <a:solidFill>
+                  <a:schemeClr val="bg1"/>
+                </a:solidFill>
+                <a:latin typeface="Aharoni" panose="02010803020104030203" pitchFamily="2" charset="-79"/>
+                <a:cs typeface="Aharoni" panose="02010803020104030203" pitchFamily="2" charset="-79"/>
+              </a:rPr>
+              <a:t>Infografías de Pueblos indígenas</a:t>
+            </a:r>
+          </a:p>
+        </p:txBody>
+      </p:sp>
+      <p:sp>
+        <p:nvSpPr>
+          <p:cNvPr id="3" name="Subtítulo 2">
+            <a:extLst>
+              <a:ext uri="{FF2B5EF4-FFF2-40B4-BE49-F238E27FC236}">
+                <a16:creationId xmlns:a16="http://schemas.microsoft.com/office/drawing/2014/main" id="{50257D27-CAB5-4A28-AF9B-685EF55DE05A}"/>
+              </a:ext>
+            </a:extLst>
+          </p:cNvPr>
+          <p:cNvSpPr>
+            <a:spLocks noGrp="1"/>
+          </p:cNvSpPr>
+          <p:nvPr>
+            <p:ph type="subTitle" idx="1"/>
+          </p:nvPr>
         </p:nvSpPr>
         <p:spPr>
           <a:xfrm>
-            <a:off x="856417" y="2324060"/>
-            <a:ext cx="7507054" cy="646331"/>
+            <a:off x="295422" y="2011018"/>
+            <a:ext cx="6980021" cy="4488256"/>
           </a:xfrm>
-          <a:prstGeom prst="rect">
-            <a:avLst/>
-          </a:prstGeom>
         </p:spPr>
         <p:txBody>
-          <a:bodyPr wrap="square">
-            <a:spAutoFit/>
+          <a:bodyPr>
+            <a:normAutofit fontScale="92500" lnSpcReduction="20000"/>
           </a:bodyPr>
           <a:lstStyle/>
           <a:p>
-            <a:r>
-              <a:rPr lang="es-CR" sz="3600" dirty="0" smtClean="0">
+            <a:pPr algn="l">
+              <a:lnSpc>
+                <a:spcPct val="150000"/>
+              </a:lnSpc>
+              <a:spcAft>
+                <a:spcPts val="800"/>
+              </a:spcAft>
+            </a:pPr>
+            <a:r>
+              <a:rPr lang="es-CR" sz="3200" b="1" dirty="0">
                 <a:solidFill>
-                  <a:schemeClr val="tx2">
-                    <a:lumMod val="60000"/>
-                    <a:lumOff val="40000"/>
-                  </a:schemeClr>
+                  <a:schemeClr val="bg1"/>
                 </a:solidFill>
-                <a:latin typeface="Franklin Gothic Demi" panose="020B0703020102020204" pitchFamily="34" charset="0"/>
+                <a:latin typeface="Century Gothic" panose="020B0502020202020204" pitchFamily="34" charset="0"/>
+                <a:cs typeface="Segoe UI Light" panose="020B0502040204020203" pitchFamily="34" charset="0"/>
               </a:rPr>
-              <a:t>Traductor</a:t>
-            </a:r>
-            <a:endParaRPr lang="es-CR" sz="3600" dirty="0">
-              <a:solidFill>
-                <a:schemeClr val="tx2">
-                  <a:lumMod val="60000"/>
-                  <a:lumOff val="40000"/>
-                </a:schemeClr>
-              </a:solidFill>
-              <a:latin typeface="Franklin Gothic Demi" panose="020B0703020102020204" pitchFamily="34" charset="0"/>
-            </a:endParaRPr>
-          </a:p>
-        </p:txBody>
-      </p:sp>
-      <p:sp>
-        <p:nvSpPr>
-          <p:cNvPr id="7" name="CuadroTexto 6"/>
-          <p:cNvSpPr txBox="1"/>
-          <p:nvPr/>
-        </p:nvSpPr>
-        <p:spPr>
-          <a:xfrm>
-            <a:off x="856417" y="90011"/>
-            <a:ext cx="5667680" cy="1015663"/>
-          </a:xfrm>
-          <a:prstGeom prst="rect">
-            <a:avLst/>
-          </a:prstGeom>
-          <a:noFill/>
-        </p:spPr>
-        <p:txBody>
-          <a:bodyPr wrap="square" rtlCol="0">
-            <a:spAutoFit/>
-          </a:bodyPr>
-          <a:lstStyle/>
-          <a:p>
-            <a:r>
-              <a:rPr lang="es-CR" sz="6000" smtClean="0">
-                <a:solidFill>
-                  <a:schemeClr val="bg1">
-                    <a:lumMod val="50000"/>
-                  </a:schemeClr>
-                </a:solidFill>
-                <a:latin typeface="Impact" panose="020B0806030902050204" pitchFamily="34" charset="0"/>
-              </a:rPr>
-              <a:t>T</a:t>
-            </a:r>
-            <a:endParaRPr lang="es-CR" sz="1600" dirty="0">
-              <a:solidFill>
-                <a:schemeClr val="bg1">
-                  <a:lumMod val="50000"/>
-                </a:schemeClr>
-              </a:solidFill>
-              <a:latin typeface="Impact" panose="020B0806030902050204" pitchFamily="34" charset="0"/>
-            </a:endParaRPr>
+              <a:t>Una colección de las principales características que tiene cada uno de los pueblos indígenas que existen en nuestro territorio nacional, idioma, estructura social, actividad económica entre muchos otros elementos más.</a:t>
+            </a:r>
           </a:p>
         </p:txBody>
       </p:sp>
     </p:spTree>
     <p:extLst>
       <p:ext uri="{BB962C8B-B14F-4D97-AF65-F5344CB8AC3E}">
-        <p14:creationId xmlns:p14="http://schemas.microsoft.com/office/powerpoint/2010/main" val="778702690"/>
+        <p14:creationId xmlns:p14="http://schemas.microsoft.com/office/powerpoint/2010/main" val="234549695"/>
       </p:ext>
     </p:extLst>
   </p:cSld>
@@ -4754,384 +3962,100 @@
           <a:chExt cx="0" cy="0"/>
         </a:xfrm>
       </p:grpSpPr>
-      <p:pic>
-        <p:nvPicPr>
-          <p:cNvPr id="4" name="Marcador de contenido 3"/>
-          <p:cNvPicPr>
-            <a:picLocks noGrp="1" noChangeAspect="1"/>
-          </p:cNvPicPr>
-          <p:nvPr>
-            <p:ph idx="1"/>
-          </p:nvPr>
-        </p:nvPicPr>
-        <p:blipFill>
-          <a:blip r:embed="rId3">
-            <a:extLst>
-              <a:ext uri="{28A0092B-C50C-407E-A947-70E740481C1C}">
-                <a14:useLocalDpi xmlns:a14="http://schemas.microsoft.com/office/drawing/2010/main" val="0"/>
-              </a:ext>
-            </a:extLst>
-          </a:blip>
-          <a:stretch>
-            <a:fillRect/>
-          </a:stretch>
-        </p:blipFill>
+      <p:sp>
+        <p:nvSpPr>
+          <p:cNvPr id="2" name="Título 1">
+            <a:extLst>
+              <a:ext uri="{FF2B5EF4-FFF2-40B4-BE49-F238E27FC236}">
+                <a16:creationId xmlns:a16="http://schemas.microsoft.com/office/drawing/2014/main" id="{06706B46-C781-4587-B575-E788554C28A1}"/>
+              </a:ext>
+            </a:extLst>
+          </p:cNvPr>
+          <p:cNvSpPr>
+            <a:spLocks noGrp="1"/>
+          </p:cNvSpPr>
+          <p:nvPr>
+            <p:ph type="ctrTitle"/>
+          </p:nvPr>
+        </p:nvSpPr>
         <p:spPr>
           <a:xfrm>
-            <a:off x="3690257" y="0"/>
-            <a:ext cx="8278510" cy="6404769"/>
+            <a:off x="654656" y="598539"/>
+            <a:ext cx="5653377" cy="1181686"/>
           </a:xfrm>
         </p:spPr>
-      </p:pic>
-      <p:sp>
-        <p:nvSpPr>
-          <p:cNvPr id="5" name="CuadroTexto 4"/>
-          <p:cNvSpPr txBox="1"/>
-          <p:nvPr/>
+        <p:txBody>
+          <a:bodyPr>
+            <a:normAutofit fontScale="90000"/>
+          </a:bodyPr>
+          <a:lstStyle/>
+          <a:p>
+            <a:r>
+              <a:rPr lang="es-CR" sz="4400" dirty="0">
+                <a:solidFill>
+                  <a:schemeClr val="bg1"/>
+                </a:solidFill>
+                <a:latin typeface="Aharoni" panose="02010803020104030203" pitchFamily="2" charset="-79"/>
+                <a:cs typeface="Aharoni" panose="02010803020104030203" pitchFamily="2" charset="-79"/>
+              </a:rPr>
+              <a:t>Catálogo de diseño gráfico</a:t>
+            </a:r>
+          </a:p>
+        </p:txBody>
+      </p:sp>
+      <p:sp>
+        <p:nvSpPr>
+          <p:cNvPr id="3" name="Subtítulo 2">
+            <a:extLst>
+              <a:ext uri="{FF2B5EF4-FFF2-40B4-BE49-F238E27FC236}">
+                <a16:creationId xmlns:a16="http://schemas.microsoft.com/office/drawing/2014/main" id="{50257D27-CAB5-4A28-AF9B-685EF55DE05A}"/>
+              </a:ext>
+            </a:extLst>
+          </p:cNvPr>
+          <p:cNvSpPr>
+            <a:spLocks noGrp="1"/>
+          </p:cNvSpPr>
+          <p:nvPr>
+            <p:ph type="subTitle" idx="1"/>
+          </p:nvPr>
         </p:nvSpPr>
         <p:spPr>
           <a:xfrm>
-            <a:off x="987953" y="4401099"/>
-            <a:ext cx="7772399" cy="584775"/>
+            <a:off x="295422" y="2011018"/>
+            <a:ext cx="6980021" cy="4488256"/>
           </a:xfrm>
-          <a:prstGeom prst="rect">
-            <a:avLst/>
-          </a:prstGeom>
-          <a:noFill/>
         </p:spPr>
         <p:txBody>
-          <a:bodyPr wrap="square" rtlCol="0">
-            <a:spAutoFit/>
+          <a:bodyPr>
+            <a:normAutofit/>
           </a:bodyPr>
           <a:lstStyle/>
           <a:p>
-            <a:r>
-              <a:rPr lang="es-CR" sz="3200" dirty="0" smtClean="0">
+            <a:pPr algn="l">
+              <a:lnSpc>
+                <a:spcPct val="150000"/>
+              </a:lnSpc>
+              <a:spcAft>
+                <a:spcPts val="800"/>
+              </a:spcAft>
+            </a:pPr>
+            <a:r>
+              <a:rPr lang="es-CR" sz="3200" b="1" dirty="0">
                 <a:solidFill>
-                  <a:schemeClr val="tx2">
-                    <a:lumMod val="60000"/>
-                    <a:lumOff val="40000"/>
-                  </a:schemeClr>
+                  <a:schemeClr val="bg1"/>
                 </a:solidFill>
-                <a:latin typeface="Franklin Gothic Demi" panose="020B0703020102020204" pitchFamily="34" charset="0"/>
+                <a:latin typeface="Century Gothic" panose="020B0502020202020204" pitchFamily="34" charset="0"/>
+                <a:cs typeface="Segoe UI Light" panose="020B0502040204020203" pitchFamily="34" charset="0"/>
               </a:rPr>
-              <a:t>falta</a:t>
-            </a:r>
-            <a:endParaRPr lang="es-CR" sz="3200" dirty="0">
-              <a:solidFill>
-                <a:schemeClr val="tx2">
-                  <a:lumMod val="60000"/>
-                  <a:lumOff val="40000"/>
-                </a:schemeClr>
-              </a:solidFill>
-              <a:latin typeface="Franklin Gothic Demi" panose="020B0703020102020204" pitchFamily="34" charset="0"/>
-            </a:endParaRPr>
-          </a:p>
-        </p:txBody>
-      </p:sp>
-      <p:sp>
-        <p:nvSpPr>
-          <p:cNvPr id="6" name="Rectángulo 5"/>
-          <p:cNvSpPr/>
-          <p:nvPr/>
-        </p:nvSpPr>
-        <p:spPr>
-          <a:xfrm>
-            <a:off x="987953" y="1925111"/>
-            <a:ext cx="6384472" cy="584775"/>
-          </a:xfrm>
-          <a:prstGeom prst="rect">
-            <a:avLst/>
-          </a:prstGeom>
-        </p:spPr>
-        <p:txBody>
-          <a:bodyPr wrap="square">
-            <a:spAutoFit/>
-          </a:bodyPr>
-          <a:lstStyle/>
-          <a:p>
-            <a:r>
-              <a:rPr lang="es-CR" sz="3200" dirty="0" smtClean="0">
-                <a:solidFill>
-                  <a:schemeClr val="tx2">
-                    <a:lumMod val="60000"/>
-                    <a:lumOff val="40000"/>
-                  </a:schemeClr>
-                </a:solidFill>
-                <a:latin typeface="Franklin Gothic Demi" panose="020B0703020102020204" pitchFamily="34" charset="0"/>
-              </a:rPr>
-              <a:t>Falta</a:t>
-            </a:r>
-            <a:endParaRPr lang="es-CR" sz="3200" dirty="0">
-              <a:solidFill>
-                <a:schemeClr val="tx2">
-                  <a:lumMod val="60000"/>
-                  <a:lumOff val="40000"/>
-                </a:schemeClr>
-              </a:solidFill>
-              <a:latin typeface="Franklin Gothic Demi" panose="020B0703020102020204" pitchFamily="34" charset="0"/>
-            </a:endParaRPr>
-          </a:p>
-        </p:txBody>
-      </p:sp>
-      <p:sp>
-        <p:nvSpPr>
-          <p:cNvPr id="7" name="CuadroTexto 6"/>
-          <p:cNvSpPr txBox="1"/>
-          <p:nvPr/>
-        </p:nvSpPr>
-        <p:spPr>
-          <a:xfrm>
-            <a:off x="987953" y="129721"/>
-            <a:ext cx="4571926" cy="1569660"/>
-          </a:xfrm>
-          <a:prstGeom prst="rect">
-            <a:avLst/>
-          </a:prstGeom>
-          <a:noFill/>
-        </p:spPr>
-        <p:txBody>
-          <a:bodyPr wrap="square" rtlCol="0">
-            <a:spAutoFit/>
-          </a:bodyPr>
-          <a:lstStyle/>
-          <a:p>
-            <a:r>
-              <a:rPr lang="es-CR" sz="9600" dirty="0" smtClean="0">
-                <a:solidFill>
-                  <a:schemeClr val="bg1">
-                    <a:lumMod val="50000"/>
-                  </a:schemeClr>
-                </a:solidFill>
-                <a:latin typeface="Impact" panose="020B0806030902050204" pitchFamily="34" charset="0"/>
-              </a:rPr>
-              <a:t>QR</a:t>
-            </a:r>
-            <a:r>
-              <a:rPr lang="es-CR" sz="4400" dirty="0">
-                <a:solidFill>
-                  <a:schemeClr val="bg1">
-                    <a:lumMod val="50000"/>
-                  </a:schemeClr>
-                </a:solidFill>
-                <a:latin typeface="Impact" panose="020B0806030902050204" pitchFamily="34" charset="0"/>
-              </a:rPr>
-              <a:t> </a:t>
-            </a:r>
-            <a:r>
-              <a:rPr lang="es-CR" sz="5400" dirty="0" smtClean="0">
-                <a:solidFill>
-                  <a:schemeClr val="bg1">
-                    <a:lumMod val="50000"/>
-                  </a:schemeClr>
-                </a:solidFill>
-                <a:latin typeface="Impact" panose="020B0806030902050204" pitchFamily="34" charset="0"/>
-              </a:rPr>
-              <a:t>CODES</a:t>
-            </a:r>
-            <a:endParaRPr lang="es-CR" sz="3200" dirty="0">
-              <a:solidFill>
-                <a:schemeClr val="bg1">
-                  <a:lumMod val="50000"/>
-                </a:schemeClr>
-              </a:solidFill>
-              <a:latin typeface="Impact" panose="020B0806030902050204" pitchFamily="34" charset="0"/>
-            </a:endParaRPr>
+              <a:t>Una colección de los diferentes diseños que se trabajan en el MEP, para la toma de decisiones en los recursos educativos.</a:t>
+            </a:r>
           </a:p>
         </p:txBody>
       </p:sp>
     </p:spTree>
     <p:extLst>
       <p:ext uri="{BB962C8B-B14F-4D97-AF65-F5344CB8AC3E}">
-        <p14:creationId xmlns:p14="http://schemas.microsoft.com/office/powerpoint/2010/main" val="2591083474"/>
-      </p:ext>
-    </p:extLst>
-  </p:cSld>
-  <p:clrMapOvr>
-    <a:masterClrMapping/>
-  </p:clrMapOvr>
-</p:sld>
-</file>
-
-<file path=ppt/slides/slide7.xml><?xml version="1.0" encoding="utf-8"?>
-<p:sld xmlns:a="http://schemas.openxmlformats.org/drawingml/2006/main" xmlns:r="http://schemas.openxmlformats.org/officeDocument/2006/relationships" xmlns:p="http://schemas.openxmlformats.org/presentationml/2006/main">
-  <p:cSld>
-    <p:spTree>
-      <p:nvGrpSpPr>
-        <p:cNvPr id="1" name=""/>
-        <p:cNvGrpSpPr/>
-        <p:nvPr/>
-      </p:nvGrpSpPr>
-      <p:grpSpPr>
-        <a:xfrm>
-          <a:off x="0" y="0"/>
-          <a:ext cx="0" cy="0"/>
-          <a:chOff x="0" y="0"/>
-          <a:chExt cx="0" cy="0"/>
-        </a:xfrm>
-      </p:grpSpPr>
-      <p:sp>
-        <p:nvSpPr>
-          <p:cNvPr id="3" name="Subtítulo 2"/>
-          <p:cNvSpPr>
-            <a:spLocks noGrp="1"/>
-          </p:cNvSpPr>
-          <p:nvPr>
-            <p:ph type="subTitle" idx="1"/>
-          </p:nvPr>
-        </p:nvSpPr>
-        <p:spPr/>
-        <p:txBody>
-          <a:bodyPr/>
-          <a:lstStyle/>
-          <a:p>
-            <a:endParaRPr lang="es-CR" dirty="0"/>
-          </a:p>
-        </p:txBody>
-      </p:sp>
-      <p:grpSp>
-        <p:nvGrpSpPr>
-          <p:cNvPr id="7" name="Grupo 6"/>
-          <p:cNvGrpSpPr/>
-          <p:nvPr/>
-        </p:nvGrpSpPr>
-        <p:grpSpPr>
-          <a:xfrm>
-            <a:off x="2057024" y="504005"/>
-            <a:ext cx="1511676" cy="1168531"/>
-            <a:chOff x="2057024" y="504005"/>
-            <a:chExt cx="1511676" cy="1168531"/>
-          </a:xfrm>
-        </p:grpSpPr>
-        <p:pic>
-          <p:nvPicPr>
-            <p:cNvPr id="4" name="Imagen 3"/>
-            <p:cNvPicPr>
-              <a:picLocks noChangeAspect="1"/>
-            </p:cNvPicPr>
-            <p:nvPr/>
-          </p:nvPicPr>
-          <p:blipFill>
-            <a:blip r:embed="rId2">
-              <a:extLst>
-                <a:ext uri="{BEBA8EAE-BF5A-486C-A8C5-ECC9F3942E4B}">
-                  <a14:imgProps xmlns:a14="http://schemas.microsoft.com/office/drawing/2010/main">
-                    <a14:imgLayer r:embed="rId3">
-                      <a14:imgEffect>
-                        <a14:backgroundRemoval t="2066" b="89669" l="9804" r="89804"/>
-                      </a14:imgEffect>
-                    </a14:imgLayer>
-                  </a14:imgProps>
-                </a:ext>
-                <a:ext uri="{28A0092B-C50C-407E-A947-70E740481C1C}">
-                  <a14:useLocalDpi xmlns:a14="http://schemas.microsoft.com/office/drawing/2010/main" val="0"/>
-                </a:ext>
-              </a:extLst>
-            </a:blip>
-            <a:stretch>
-              <a:fillRect/>
-            </a:stretch>
-          </p:blipFill>
-          <p:spPr>
-            <a:xfrm>
-              <a:off x="2057024" y="504005"/>
-              <a:ext cx="1256314" cy="1045396"/>
-            </a:xfrm>
-            <a:prstGeom prst="rect">
-              <a:avLst/>
-            </a:prstGeom>
-          </p:spPr>
-        </p:pic>
-        <p:sp>
-          <p:nvSpPr>
-            <p:cNvPr id="5" name="Rectángulo 4"/>
-            <p:cNvSpPr/>
-            <p:nvPr/>
-          </p:nvSpPr>
-          <p:spPr>
-            <a:xfrm>
-              <a:off x="2229446" y="1149316"/>
-              <a:ext cx="1339254" cy="523220"/>
-            </a:xfrm>
-            <a:prstGeom prst="rect">
-              <a:avLst/>
-            </a:prstGeom>
-            <a:noFill/>
-          </p:spPr>
-          <p:txBody>
-            <a:bodyPr wrap="square" lIns="91440" tIns="45720" rIns="91440" bIns="45720">
-              <a:spAutoFit/>
-            </a:bodyPr>
-            <a:lstStyle/>
-            <a:p>
-              <a:pPr algn="ctr"/>
-              <a:r>
-                <a:rPr lang="es-ES" sz="2800" b="1" cap="none" spc="0" dirty="0" smtClean="0">
-                  <a:ln w="12700">
-                    <a:solidFill>
-                      <a:schemeClr val="accent3">
-                        <a:lumMod val="50000"/>
-                      </a:schemeClr>
-                    </a:solidFill>
-                    <a:prstDash val="solid"/>
-                  </a:ln>
-                  <a:pattFill prst="narHorz">
-                    <a:fgClr>
-                      <a:schemeClr val="accent3"/>
-                    </a:fgClr>
-                    <a:bgClr>
-                      <a:schemeClr val="accent3">
-                        <a:lumMod val="40000"/>
-                        <a:lumOff val="60000"/>
-                      </a:schemeClr>
-                    </a:bgClr>
-                  </a:pattFill>
-                  <a:effectLst>
-                    <a:innerShdw blurRad="177800">
-                      <a:schemeClr val="accent3">
-                        <a:lumMod val="50000"/>
-                      </a:schemeClr>
-                    </a:innerShdw>
-                  </a:effectLst>
-                </a:rPr>
-                <a:t>2020</a:t>
-              </a:r>
-              <a:endParaRPr lang="es-ES" sz="2800" b="1" cap="none" spc="0" dirty="0">
-                <a:ln w="12700">
-                  <a:solidFill>
-                    <a:schemeClr val="accent3">
-                      <a:lumMod val="50000"/>
-                    </a:schemeClr>
-                  </a:solidFill>
-                  <a:prstDash val="solid"/>
-                </a:ln>
-                <a:pattFill prst="narHorz">
-                  <a:fgClr>
-                    <a:schemeClr val="accent3"/>
-                  </a:fgClr>
-                  <a:bgClr>
-                    <a:schemeClr val="accent3">
-                      <a:lumMod val="40000"/>
-                      <a:lumOff val="60000"/>
-                    </a:schemeClr>
-                  </a:bgClr>
-                </a:pattFill>
-                <a:effectLst>
-                  <a:innerShdw blurRad="177800">
-                    <a:schemeClr val="accent3">
-                      <a:lumMod val="50000"/>
-                    </a:schemeClr>
-                  </a:innerShdw>
-                </a:effectLst>
-              </a:endParaRPr>
-            </a:p>
-          </p:txBody>
-        </p:sp>
-      </p:grpSp>
-    </p:spTree>
-    <p:extLst>
-      <p:ext uri="{BB962C8B-B14F-4D97-AF65-F5344CB8AC3E}">
-        <p14:creationId xmlns:p14="http://schemas.microsoft.com/office/powerpoint/2010/main" val="372020457"/>
+        <p14:creationId xmlns:p14="http://schemas.microsoft.com/office/powerpoint/2010/main" val="2210818742"/>
       </p:ext>
     </p:extLst>
   </p:cSld>
@@ -5158,7 +4082,7 @@
         <a:srgbClr val="E7E6E6"/>
       </a:lt2>
       <a:accent1>
-        <a:srgbClr val="5B9BD5"/>
+        <a:srgbClr val="4472C4"/>
       </a:accent1>
       <a:accent2>
         <a:srgbClr val="ED7D31"/>
@@ -5170,7 +4094,7 @@
         <a:srgbClr val="FFC000"/>
       </a:accent4>
       <a:accent5>
-        <a:srgbClr val="4472C4"/>
+        <a:srgbClr val="5B9BD5"/>
       </a:accent5>
       <a:accent6>
         <a:srgbClr val="70AD47"/>
@@ -5217,6 +4141,23 @@
         <a:font script="Viet" typeface="Times New Roman"/>
         <a:font script="Uigh" typeface="Microsoft Uighur"/>
         <a:font script="Geor" typeface="Sylfaen"/>
+        <a:font script="Armn" typeface="Arial"/>
+        <a:font script="Bugi" typeface="Leelawadee UI"/>
+        <a:font script="Bopo" typeface="Microsoft JhengHei"/>
+        <a:font script="Java" typeface="Javanese Text"/>
+        <a:font script="Lisu" typeface="Segoe UI"/>
+        <a:font script="Mymr" typeface="Myanmar Text"/>
+        <a:font script="Nkoo" typeface="Ebrima"/>
+        <a:font script="Olck" typeface="Nirmala UI"/>
+        <a:font script="Osma" typeface="Ebrima"/>
+        <a:font script="Phag" typeface="Phagspa"/>
+        <a:font script="Syrn" typeface="Estrangelo Edessa"/>
+        <a:font script="Syrj" typeface="Estrangelo Edessa"/>
+        <a:font script="Syre" typeface="Estrangelo Edessa"/>
+        <a:font script="Sora" typeface="Nirmala UI"/>
+        <a:font script="Tale" typeface="Microsoft Tai Le"/>
+        <a:font script="Talu" typeface="Microsoft New Tai Lue"/>
+        <a:font script="Tfng" typeface="Ebrima"/>
       </a:majorFont>
       <a:minorFont>
         <a:latin typeface="Calibri" panose="020F0502020204030204"/>
@@ -5252,267 +4193,23 @@
         <a:font script="Viet" typeface="Arial"/>
         <a:font script="Uigh" typeface="Microsoft Uighur"/>
         <a:font script="Geor" typeface="Sylfaen"/>
-      </a:minorFont>
-    </a:fontScheme>
-    <a:fmtScheme name="Office">
-      <a:fillStyleLst>
-        <a:solidFill>
-          <a:schemeClr val="phClr"/>
-        </a:solidFill>
-        <a:gradFill rotWithShape="1">
-          <a:gsLst>
-            <a:gs pos="0">
-              <a:schemeClr val="phClr">
-                <a:lumMod val="110000"/>
-                <a:satMod val="105000"/>
-                <a:tint val="67000"/>
-              </a:schemeClr>
-            </a:gs>
-            <a:gs pos="50000">
-              <a:schemeClr val="phClr">
-                <a:lumMod val="105000"/>
-                <a:satMod val="103000"/>
-                <a:tint val="73000"/>
-              </a:schemeClr>
-            </a:gs>
-            <a:gs pos="100000">
-              <a:schemeClr val="phClr">
-                <a:lumMod val="105000"/>
-                <a:satMod val="109000"/>
-                <a:tint val="81000"/>
-              </a:schemeClr>
-            </a:gs>
-          </a:gsLst>
-          <a:lin ang="5400000" scaled="0"/>
-        </a:gradFill>
-        <a:gradFill rotWithShape="1">
-          <a:gsLst>
-            <a:gs pos="0">
-              <a:schemeClr val="phClr">
-                <a:satMod val="103000"/>
-                <a:lumMod val="102000"/>
-                <a:tint val="94000"/>
-              </a:schemeClr>
-            </a:gs>
-            <a:gs pos="50000">
-              <a:schemeClr val="phClr">
-                <a:satMod val="110000"/>
-                <a:lumMod val="100000"/>
-                <a:shade val="100000"/>
-              </a:schemeClr>
-            </a:gs>
-            <a:gs pos="100000">
-              <a:schemeClr val="phClr">
-                <a:lumMod val="99000"/>
-                <a:satMod val="120000"/>
-                <a:shade val="78000"/>
-              </a:schemeClr>
-            </a:gs>
-          </a:gsLst>
-          <a:lin ang="5400000" scaled="0"/>
-        </a:gradFill>
-      </a:fillStyleLst>
-      <a:lnStyleLst>
-        <a:ln w="6350" cap="flat" cmpd="sng" algn="ctr">
-          <a:solidFill>
-            <a:schemeClr val="phClr"/>
-          </a:solidFill>
-          <a:prstDash val="solid"/>
-          <a:miter lim="800000"/>
-        </a:ln>
-        <a:ln w="12700" cap="flat" cmpd="sng" algn="ctr">
-          <a:solidFill>
-            <a:schemeClr val="phClr"/>
-          </a:solidFill>
-          <a:prstDash val="solid"/>
-          <a:miter lim="800000"/>
-        </a:ln>
-        <a:ln w="19050" cap="flat" cmpd="sng" algn="ctr">
-          <a:solidFill>
-            <a:schemeClr val="phClr"/>
-          </a:solidFill>
-          <a:prstDash val="solid"/>
-          <a:miter lim="800000"/>
-        </a:ln>
-      </a:lnStyleLst>
-      <a:effectStyleLst>
-        <a:effectStyle>
-          <a:effectLst/>
-        </a:effectStyle>
-        <a:effectStyle>
-          <a:effectLst/>
-        </a:effectStyle>
-        <a:effectStyle>
-          <a:effectLst>
-            <a:outerShdw blurRad="57150" dist="19050" dir="5400000" algn="ctr" rotWithShape="0">
-              <a:srgbClr val="000000">
-                <a:alpha val="63000"/>
-              </a:srgbClr>
-            </a:outerShdw>
-          </a:effectLst>
-        </a:effectStyle>
-      </a:effectStyleLst>
-      <a:bgFillStyleLst>
-        <a:solidFill>
-          <a:schemeClr val="phClr"/>
-        </a:solidFill>
-        <a:solidFill>
-          <a:schemeClr val="phClr">
-            <a:tint val="95000"/>
-            <a:satMod val="170000"/>
-          </a:schemeClr>
-        </a:solidFill>
-        <a:gradFill rotWithShape="1">
-          <a:gsLst>
-            <a:gs pos="0">
-              <a:schemeClr val="phClr">
-                <a:tint val="93000"/>
-                <a:satMod val="150000"/>
-                <a:shade val="98000"/>
-                <a:lumMod val="102000"/>
-              </a:schemeClr>
-            </a:gs>
-            <a:gs pos="50000">
-              <a:schemeClr val="phClr">
-                <a:tint val="98000"/>
-                <a:satMod val="130000"/>
-                <a:shade val="90000"/>
-                <a:lumMod val="103000"/>
-              </a:schemeClr>
-            </a:gs>
-            <a:gs pos="100000">
-              <a:schemeClr val="phClr">
-                <a:shade val="63000"/>
-                <a:satMod val="120000"/>
-              </a:schemeClr>
-            </a:gs>
-          </a:gsLst>
-          <a:lin ang="5400000" scaled="0"/>
-        </a:gradFill>
-      </a:bgFillStyleLst>
-    </a:fmtScheme>
-  </a:themeElements>
-  <a:objectDefaults/>
-  <a:extraClrSchemeLst/>
-  <a:extLst>
-    <a:ext uri="{05A4C25C-085E-4340-85A3-A5531E510DB2}">
-      <thm15:themeFamily xmlns:thm15="http://schemas.microsoft.com/office/thememl/2012/main" name="Office Theme" id="{62F939B6-93AF-4DB8-9C6B-D6C7DFDC589F}" vid="{4A3C46E8-61CC-4603-A589-7422A47A8E4A}"/>
-    </a:ext>
-  </a:extLst>
-</a:theme>
-</file>
-
-<file path=ppt/theme/theme2.xml><?xml version="1.0" encoding="utf-8"?>
-<a:theme xmlns:a="http://schemas.openxmlformats.org/drawingml/2006/main" name="Tema de Office">
-  <a:themeElements>
-    <a:clrScheme name="Office">
-      <a:dk1>
-        <a:sysClr val="windowText" lastClr="000000"/>
-      </a:dk1>
-      <a:lt1>
-        <a:sysClr val="window" lastClr="FFFFFF"/>
-      </a:lt1>
-      <a:dk2>
-        <a:srgbClr val="44546A"/>
-      </a:dk2>
-      <a:lt2>
-        <a:srgbClr val="E7E6E6"/>
-      </a:lt2>
-      <a:accent1>
-        <a:srgbClr val="5B9BD5"/>
-      </a:accent1>
-      <a:accent2>
-        <a:srgbClr val="ED7D31"/>
-      </a:accent2>
-      <a:accent3>
-        <a:srgbClr val="A5A5A5"/>
-      </a:accent3>
-      <a:accent4>
-        <a:srgbClr val="FFC000"/>
-      </a:accent4>
-      <a:accent5>
-        <a:srgbClr val="4472C4"/>
-      </a:accent5>
-      <a:accent6>
-        <a:srgbClr val="70AD47"/>
-      </a:accent6>
-      <a:hlink>
-        <a:srgbClr val="0563C1"/>
-      </a:hlink>
-      <a:folHlink>
-        <a:srgbClr val="954F72"/>
-      </a:folHlink>
-    </a:clrScheme>
-    <a:fontScheme name="Office">
-      <a:majorFont>
-        <a:latin typeface="Calibri Light" panose="020F0302020204030204"/>
-        <a:ea typeface=""/>
-        <a:cs typeface=""/>
-        <a:font script="Jpan" typeface="游ゴシック Light"/>
-        <a:font script="Hang" typeface="맑은 고딕"/>
-        <a:font script="Hans" typeface="等线 Light"/>
-        <a:font script="Hant" typeface="新細明體"/>
-        <a:font script="Arab" typeface="Times New Roman"/>
-        <a:font script="Hebr" typeface="Times New Roman"/>
-        <a:font script="Thai" typeface="Angsana New"/>
-        <a:font script="Ethi" typeface="Nyala"/>
-        <a:font script="Beng" typeface="Vrinda"/>
-        <a:font script="Gujr" typeface="Shruti"/>
-        <a:font script="Khmr" typeface="MoolBoran"/>
-        <a:font script="Knda" typeface="Tunga"/>
-        <a:font script="Guru" typeface="Raavi"/>
-        <a:font script="Cans" typeface="Euphemia"/>
-        <a:font script="Cher" typeface="Plantagenet Cherokee"/>
-        <a:font script="Yiii" typeface="Microsoft Yi Baiti"/>
-        <a:font script="Tibt" typeface="Microsoft Himalaya"/>
-        <a:font script="Thaa" typeface="MV Boli"/>
-        <a:font script="Deva" typeface="Mangal"/>
-        <a:font script="Telu" typeface="Gautami"/>
-        <a:font script="Taml" typeface="Latha"/>
-        <a:font script="Syrc" typeface="Estrangelo Edessa"/>
-        <a:font script="Orya" typeface="Kalinga"/>
-        <a:font script="Mlym" typeface="Kartika"/>
-        <a:font script="Laoo" typeface="DokChampa"/>
-        <a:font script="Sinh" typeface="Iskoola Pota"/>
-        <a:font script="Mong" typeface="Mongolian Baiti"/>
-        <a:font script="Viet" typeface="Times New Roman"/>
-        <a:font script="Uigh" typeface="Microsoft Uighur"/>
-        <a:font script="Geor" typeface="Sylfaen"/>
-      </a:majorFont>
-      <a:minorFont>
-        <a:latin typeface="Calibri" panose="020F0502020204030204"/>
-        <a:ea typeface=""/>
-        <a:cs typeface=""/>
-        <a:font script="Jpan" typeface="游ゴシック"/>
-        <a:font script="Hang" typeface="맑은 고딕"/>
-        <a:font script="Hans" typeface="等线"/>
-        <a:font script="Hant" typeface="新細明體"/>
-        <a:font script="Arab" typeface="Arial"/>
-        <a:font script="Hebr" typeface="Arial"/>
-        <a:font script="Thai" typeface="Cordia New"/>
-        <a:font script="Ethi" typeface="Nyala"/>
-        <a:font script="Beng" typeface="Vrinda"/>
-        <a:font script="Gujr" typeface="Shruti"/>
-        <a:font script="Khmr" typeface="DaunPenh"/>
-        <a:font script="Knda" typeface="Tunga"/>
-        <a:font script="Guru" typeface="Raavi"/>
-        <a:font script="Cans" typeface="Euphemia"/>
-        <a:font script="Cher" typeface="Plantagenet Cherokee"/>
-        <a:font script="Yiii" typeface="Microsoft Yi Baiti"/>
-        <a:font script="Tibt" typeface="Microsoft Himalaya"/>
-        <a:font script="Thaa" typeface="MV Boli"/>
-        <a:font script="Deva" typeface="Mangal"/>
-        <a:font script="Telu" typeface="Gautami"/>
-        <a:font script="Taml" typeface="Latha"/>
-        <a:font script="Syrc" typeface="Estrangelo Edessa"/>
-        <a:font script="Orya" typeface="Kalinga"/>
-        <a:font script="Mlym" typeface="Kartika"/>
-        <a:font script="Laoo" typeface="DokChampa"/>
-        <a:font script="Sinh" typeface="Iskoola Pota"/>
-        <a:font script="Mong" typeface="Mongolian Baiti"/>
-        <a:font script="Viet" typeface="Arial"/>
-        <a:font script="Uigh" typeface="Microsoft Uighur"/>
-        <a:font script="Geor" typeface="Sylfaen"/>
+        <a:font script="Armn" typeface="Arial"/>
+        <a:font script="Bugi" typeface="Leelawadee UI"/>
+        <a:font script="Bopo" typeface="Microsoft JhengHei"/>
+        <a:font script="Java" typeface="Javanese Text"/>
+        <a:font script="Lisu" typeface="Segoe UI"/>
+        <a:font script="Mymr" typeface="Myanmar Text"/>
+        <a:font script="Nkoo" typeface="Ebrima"/>
+        <a:font script="Olck" typeface="Nirmala UI"/>
+        <a:font script="Osma" typeface="Ebrima"/>
+        <a:font script="Phag" typeface="Phagspa"/>
+        <a:font script="Syrn" typeface="Estrangelo Edessa"/>
+        <a:font script="Syrj" typeface="Estrangelo Edessa"/>
+        <a:font script="Syre" typeface="Estrangelo Edessa"/>
+        <a:font script="Sora" typeface="Nirmala UI"/>
+        <a:font script="Tale" typeface="Microsoft Tai Le"/>
+        <a:font script="Talu" typeface="Microsoft New Tai Lue"/>
+        <a:font script="Tfng" typeface="Ebrima"/>
       </a:minorFont>
     </a:fontScheme>
     <a:fmtScheme name="Office">
